--- a/Daily Activities & Personal Finance Tracker.pptx
+++ b/Daily Activities & Personal Finance Tracker.pptx
@@ -12,14 +12,17 @@
     <p:sldId id="260" r:id="rId6"/>
     <p:sldId id="270" r:id="rId7"/>
     <p:sldId id="262" r:id="rId8"/>
-    <p:sldId id="271" r:id="rId9"/>
-    <p:sldId id="277" r:id="rId10"/>
-    <p:sldId id="273" r:id="rId11"/>
-    <p:sldId id="274" r:id="rId12"/>
-    <p:sldId id="275" r:id="rId13"/>
-    <p:sldId id="276" r:id="rId14"/>
-    <p:sldId id="272" r:id="rId15"/>
-    <p:sldId id="267" r:id="rId16"/>
+    <p:sldId id="278" r:id="rId9"/>
+    <p:sldId id="271" r:id="rId10"/>
+    <p:sldId id="277" r:id="rId11"/>
+    <p:sldId id="273" r:id="rId12"/>
+    <p:sldId id="279" r:id="rId13"/>
+    <p:sldId id="274" r:id="rId14"/>
+    <p:sldId id="280" r:id="rId15"/>
+    <p:sldId id="275" r:id="rId16"/>
+    <p:sldId id="276" r:id="rId17"/>
+    <p:sldId id="272" r:id="rId18"/>
+    <p:sldId id="267" r:id="rId19"/>
   </p:sldIdLst>
   <p:sldSz cx="12192000" cy="6858000"/>
   <p:notesSz cx="6858000" cy="9144000"/>
@@ -277,7 +280,7 @@
           <a:p>
             <a:fld id="{4CDE23C7-78A4-413A-A84B-93D4CC0A9EB1}" type="datetimeFigureOut">
               <a:rPr lang="en-US" smtClean="0"/>
-              <a:t>7/12/2024</a:t>
+              <a:t>7/13/2024</a:t>
             </a:fld>
             <a:endParaRPr lang="en-US"/>
           </a:p>
@@ -480,7 +483,7 @@
           <a:p>
             <a:fld id="{4CDE23C7-78A4-413A-A84B-93D4CC0A9EB1}" type="datetimeFigureOut">
               <a:rPr lang="en-US" smtClean="0"/>
-              <a:t>7/12/2024</a:t>
+              <a:t>7/13/2024</a:t>
             </a:fld>
             <a:endParaRPr lang="en-US"/>
           </a:p>
@@ -688,7 +691,7 @@
           <a:p>
             <a:fld id="{4CDE23C7-78A4-413A-A84B-93D4CC0A9EB1}" type="datetimeFigureOut">
               <a:rPr lang="en-US" smtClean="0"/>
-              <a:t>7/12/2024</a:t>
+              <a:t>7/13/2024</a:t>
             </a:fld>
             <a:endParaRPr lang="en-US"/>
           </a:p>
@@ -886,7 +889,7 @@
           <a:p>
             <a:fld id="{4CDE23C7-78A4-413A-A84B-93D4CC0A9EB1}" type="datetimeFigureOut">
               <a:rPr lang="en-US" smtClean="0"/>
-              <a:t>7/12/2024</a:t>
+              <a:t>7/13/2024</a:t>
             </a:fld>
             <a:endParaRPr lang="en-US"/>
           </a:p>
@@ -1163,7 +1166,7 @@
           <a:p>
             <a:fld id="{4CDE23C7-78A4-413A-A84B-93D4CC0A9EB1}" type="datetimeFigureOut">
               <a:rPr lang="en-US" smtClean="0"/>
-              <a:t>7/12/2024</a:t>
+              <a:t>7/13/2024</a:t>
             </a:fld>
             <a:endParaRPr lang="en-US"/>
           </a:p>
@@ -1428,7 +1431,7 @@
           <a:p>
             <a:fld id="{4CDE23C7-78A4-413A-A84B-93D4CC0A9EB1}" type="datetimeFigureOut">
               <a:rPr lang="en-US" smtClean="0"/>
-              <a:t>7/12/2024</a:t>
+              <a:t>7/13/2024</a:t>
             </a:fld>
             <a:endParaRPr lang="en-US"/>
           </a:p>
@@ -1844,7 +1847,7 @@
           <a:p>
             <a:fld id="{4CDE23C7-78A4-413A-A84B-93D4CC0A9EB1}" type="datetimeFigureOut">
               <a:rPr lang="en-US" smtClean="0"/>
-              <a:t>7/12/2024</a:t>
+              <a:t>7/13/2024</a:t>
             </a:fld>
             <a:endParaRPr lang="en-US"/>
           </a:p>
@@ -1985,7 +1988,7 @@
           <a:p>
             <a:fld id="{4CDE23C7-78A4-413A-A84B-93D4CC0A9EB1}" type="datetimeFigureOut">
               <a:rPr lang="en-US" smtClean="0"/>
-              <a:t>7/12/2024</a:t>
+              <a:t>7/13/2024</a:t>
             </a:fld>
             <a:endParaRPr lang="en-US"/>
           </a:p>
@@ -2098,7 +2101,7 @@
           <a:p>
             <a:fld id="{4CDE23C7-78A4-413A-A84B-93D4CC0A9EB1}" type="datetimeFigureOut">
               <a:rPr lang="en-US" smtClean="0"/>
-              <a:t>7/12/2024</a:t>
+              <a:t>7/13/2024</a:t>
             </a:fld>
             <a:endParaRPr lang="en-US"/>
           </a:p>
@@ -2409,7 +2412,7 @@
           <a:p>
             <a:fld id="{4CDE23C7-78A4-413A-A84B-93D4CC0A9EB1}" type="datetimeFigureOut">
               <a:rPr lang="en-US" smtClean="0"/>
-              <a:t>7/12/2024</a:t>
+              <a:t>7/13/2024</a:t>
             </a:fld>
             <a:endParaRPr lang="en-US"/>
           </a:p>
@@ -2697,7 +2700,7 @@
           <a:p>
             <a:fld id="{4CDE23C7-78A4-413A-A84B-93D4CC0A9EB1}" type="datetimeFigureOut">
               <a:rPr lang="en-US" smtClean="0"/>
-              <a:t>7/12/2024</a:t>
+              <a:t>7/13/2024</a:t>
             </a:fld>
             <a:endParaRPr lang="en-US"/>
           </a:p>
@@ -2937,7 +2940,7 @@
             <a:fld id="{4CDE23C7-78A4-413A-A84B-93D4CC0A9EB1}" type="datetimeFigureOut">
               <a:rPr lang="en-US" smtClean="0"/>
               <a:pPr/>
-              <a:t>7/12/2024</a:t>
+              <a:t>7/13/2024</a:t>
             </a:fld>
             <a:endParaRPr lang="en-US" dirty="0"/>
           </a:p>
@@ -3606,7 +3609,7 @@
         </p:blipFill>
         <p:spPr>
           <a:xfrm>
-            <a:off x="8985" y="17930"/>
+            <a:off x="8985" y="-479910"/>
             <a:ext cx="12191980" cy="6858000"/>
           </a:xfrm>
           <a:prstGeom prst="rect">
@@ -3672,7 +3675,7 @@
         </p:nvSpPr>
         <p:spPr>
           <a:xfrm>
-            <a:off x="5001271" y="3101108"/>
+            <a:off x="4980951" y="2841471"/>
             <a:ext cx="1874658" cy="1175057"/>
           </a:xfrm>
         </p:spPr>
@@ -3682,6 +3685,7 @@
           </a:bodyPr>
           <a:lstStyle/>
           <a:p>
+            <a:pPr algn="ctr"/>
             <a:r>
               <a:rPr lang="en-US" dirty="0">
                 <a:solidFill>
@@ -3693,7 +3697,7 @@
             </a:r>
           </a:p>
           <a:p>
-            <a:pPr>
+            <a:pPr algn="ctr">
               <a:lnSpc>
                 <a:spcPct val="100000"/>
               </a:lnSpc>
@@ -3709,7 +3713,7 @@
             </a:r>
           </a:p>
           <a:p>
-            <a:pPr>
+            <a:pPr algn="ctr">
               <a:lnSpc>
                 <a:spcPct val="100000"/>
               </a:lnSpc>
@@ -3845,6 +3849,317 @@
           </a:fontRef>
         </p:style>
       </p:cxnSp>
+      <p:sp>
+        <p:nvSpPr>
+          <p:cNvPr id="10" name="Subtitle 2">
+            <a:extLst>
+              <a:ext uri="{FF2B5EF4-FFF2-40B4-BE49-F238E27FC236}">
+                <a16:creationId xmlns:a16="http://schemas.microsoft.com/office/drawing/2014/main" id="{636CC2EB-A85A-4147-AE37-180BF698FE4E}"/>
+              </a:ext>
+            </a:extLst>
+          </p:cNvPr>
+          <p:cNvSpPr txBox="1">
+            <a:spLocks/>
+          </p:cNvSpPr>
+          <p:nvPr/>
+        </p:nvSpPr>
+        <p:spPr>
+          <a:xfrm>
+            <a:off x="4004519" y="4536921"/>
+            <a:ext cx="4180592" cy="1642358"/>
+          </a:xfrm>
+          <a:prstGeom prst="rect">
+            <a:avLst/>
+          </a:prstGeom>
+        </p:spPr>
+        <p:txBody>
+          <a:bodyPr vert="horz" lIns="91440" tIns="45720" rIns="91440" bIns="45720" rtlCol="0" anchor="b">
+            <a:normAutofit/>
+          </a:bodyPr>
+          <a:lstStyle>
+            <a:lvl1pPr marL="0" indent="0" algn="l" defTabSz="914400" rtl="0" eaLnBrk="1" latinLnBrk="0" hangingPunct="1">
+              <a:lnSpc>
+                <a:spcPct val="120000"/>
+              </a:lnSpc>
+              <a:spcBef>
+                <a:spcPts val="1000"/>
+              </a:spcBef>
+              <a:buFont typeface="Arial" panose="020B0604020202020204" pitchFamily="34" charset="0"/>
+              <a:buNone/>
+              <a:defRPr sz="2000" kern="1200">
+                <a:solidFill>
+                  <a:schemeClr val="tx1"/>
+                </a:solidFill>
+                <a:latin typeface="+mn-lt"/>
+                <a:ea typeface="+mn-ea"/>
+                <a:cs typeface="+mn-cs"/>
+              </a:defRPr>
+            </a:lvl1pPr>
+            <a:lvl2pPr marL="457200" indent="0" algn="ctr" defTabSz="914400" rtl="0" eaLnBrk="1" latinLnBrk="0" hangingPunct="1">
+              <a:lnSpc>
+                <a:spcPct val="120000"/>
+              </a:lnSpc>
+              <a:spcBef>
+                <a:spcPts val="500"/>
+              </a:spcBef>
+              <a:buFont typeface="Arial" panose="020B0604020202020204" pitchFamily="34" charset="0"/>
+              <a:buNone/>
+              <a:defRPr sz="2000" kern="1200">
+                <a:solidFill>
+                  <a:schemeClr val="tx1"/>
+                </a:solidFill>
+                <a:latin typeface="+mn-lt"/>
+                <a:ea typeface="+mn-ea"/>
+                <a:cs typeface="+mn-cs"/>
+              </a:defRPr>
+            </a:lvl2pPr>
+            <a:lvl3pPr marL="914400" indent="0" algn="ctr" defTabSz="914400" rtl="0" eaLnBrk="1" latinLnBrk="0" hangingPunct="1">
+              <a:lnSpc>
+                <a:spcPct val="120000"/>
+              </a:lnSpc>
+              <a:spcBef>
+                <a:spcPts val="500"/>
+              </a:spcBef>
+              <a:buFont typeface="Arial" panose="020B0604020202020204" pitchFamily="34" charset="0"/>
+              <a:buNone/>
+              <a:defRPr sz="1800" kern="1200">
+                <a:solidFill>
+                  <a:schemeClr val="tx1"/>
+                </a:solidFill>
+                <a:latin typeface="+mn-lt"/>
+                <a:ea typeface="+mn-ea"/>
+                <a:cs typeface="+mn-cs"/>
+              </a:defRPr>
+            </a:lvl3pPr>
+            <a:lvl4pPr marL="1371600" indent="0" algn="ctr" defTabSz="914400" rtl="0" eaLnBrk="1" latinLnBrk="0" hangingPunct="1">
+              <a:lnSpc>
+                <a:spcPct val="120000"/>
+              </a:lnSpc>
+              <a:spcBef>
+                <a:spcPts val="500"/>
+              </a:spcBef>
+              <a:buFont typeface="Arial" panose="020B0604020202020204" pitchFamily="34" charset="0"/>
+              <a:buNone/>
+              <a:defRPr sz="1600" kern="1200">
+                <a:solidFill>
+                  <a:schemeClr val="tx1"/>
+                </a:solidFill>
+                <a:latin typeface="+mn-lt"/>
+                <a:ea typeface="+mn-ea"/>
+                <a:cs typeface="+mn-cs"/>
+              </a:defRPr>
+            </a:lvl4pPr>
+            <a:lvl5pPr marL="1828800" indent="0" algn="ctr" defTabSz="914400" rtl="0" eaLnBrk="1" latinLnBrk="0" hangingPunct="1">
+              <a:lnSpc>
+                <a:spcPct val="120000"/>
+              </a:lnSpc>
+              <a:spcBef>
+                <a:spcPts val="500"/>
+              </a:spcBef>
+              <a:buFont typeface="Arial" panose="020B0604020202020204" pitchFamily="34" charset="0"/>
+              <a:buNone/>
+              <a:defRPr sz="1600" kern="1200">
+                <a:solidFill>
+                  <a:schemeClr val="tx1"/>
+                </a:solidFill>
+                <a:latin typeface="+mn-lt"/>
+                <a:ea typeface="+mn-ea"/>
+                <a:cs typeface="+mn-cs"/>
+              </a:defRPr>
+            </a:lvl5pPr>
+            <a:lvl6pPr marL="2286000" indent="0" algn="ctr" defTabSz="914400" rtl="0" eaLnBrk="1" latinLnBrk="0" hangingPunct="1">
+              <a:lnSpc>
+                <a:spcPct val="90000"/>
+              </a:lnSpc>
+              <a:spcBef>
+                <a:spcPts val="500"/>
+              </a:spcBef>
+              <a:buFont typeface="Arial" panose="020B0604020202020204" pitchFamily="34" charset="0"/>
+              <a:buNone/>
+              <a:defRPr sz="1600" kern="1200">
+                <a:solidFill>
+                  <a:schemeClr val="tx1"/>
+                </a:solidFill>
+                <a:latin typeface="+mn-lt"/>
+                <a:ea typeface="+mn-ea"/>
+                <a:cs typeface="+mn-cs"/>
+              </a:defRPr>
+            </a:lvl6pPr>
+            <a:lvl7pPr marL="2743200" indent="0" algn="ctr" defTabSz="914400" rtl="0" eaLnBrk="1" latinLnBrk="0" hangingPunct="1">
+              <a:lnSpc>
+                <a:spcPct val="90000"/>
+              </a:lnSpc>
+              <a:spcBef>
+                <a:spcPts val="500"/>
+              </a:spcBef>
+              <a:buFont typeface="Arial" panose="020B0604020202020204" pitchFamily="34" charset="0"/>
+              <a:buNone/>
+              <a:defRPr sz="1600" kern="1200">
+                <a:solidFill>
+                  <a:schemeClr val="tx1"/>
+                </a:solidFill>
+                <a:latin typeface="+mn-lt"/>
+                <a:ea typeface="+mn-ea"/>
+                <a:cs typeface="+mn-cs"/>
+              </a:defRPr>
+            </a:lvl7pPr>
+            <a:lvl8pPr marL="3200400" indent="0" algn="ctr" defTabSz="914400" rtl="0" eaLnBrk="1" latinLnBrk="0" hangingPunct="1">
+              <a:lnSpc>
+                <a:spcPct val="90000"/>
+              </a:lnSpc>
+              <a:spcBef>
+                <a:spcPts val="500"/>
+              </a:spcBef>
+              <a:buFont typeface="Arial" panose="020B0604020202020204" pitchFamily="34" charset="0"/>
+              <a:buNone/>
+              <a:defRPr sz="1600" kern="1200">
+                <a:solidFill>
+                  <a:schemeClr val="tx1"/>
+                </a:solidFill>
+                <a:latin typeface="+mn-lt"/>
+                <a:ea typeface="+mn-ea"/>
+                <a:cs typeface="+mn-cs"/>
+              </a:defRPr>
+            </a:lvl8pPr>
+            <a:lvl9pPr marL="3657600" indent="0" algn="ctr" defTabSz="914400" rtl="0" eaLnBrk="1" latinLnBrk="0" hangingPunct="1">
+              <a:lnSpc>
+                <a:spcPct val="90000"/>
+              </a:lnSpc>
+              <a:spcBef>
+                <a:spcPts val="500"/>
+              </a:spcBef>
+              <a:buFont typeface="Arial" panose="020B0604020202020204" pitchFamily="34" charset="0"/>
+              <a:buNone/>
+              <a:defRPr sz="1600" kern="1200">
+                <a:solidFill>
+                  <a:schemeClr val="tx1"/>
+                </a:solidFill>
+                <a:latin typeface="+mn-lt"/>
+                <a:ea typeface="+mn-ea"/>
+                <a:cs typeface="+mn-cs"/>
+              </a:defRPr>
+            </a:lvl9pPr>
+          </a:lstStyle>
+          <a:p>
+            <a:pPr algn="ctr"/>
+            <a:r>
+              <a:rPr lang="en-US" dirty="0">
+                <a:solidFill>
+                  <a:srgbClr val="FFFFFF"/>
+                </a:solidFill>
+                <a:latin typeface="+mj-lt"/>
+              </a:rPr>
+              <a:t>Students of:</a:t>
+            </a:r>
+          </a:p>
+          <a:p>
+            <a:pPr algn="ctr">
+              <a:lnSpc>
+                <a:spcPct val="100000"/>
+              </a:lnSpc>
+            </a:pPr>
+            <a:r>
+              <a:rPr lang="en-US" sz="1600" dirty="0" err="1">
+                <a:solidFill>
+                  <a:srgbClr val="FFFFFF"/>
+                </a:solidFill>
+                <a:latin typeface="+mj-lt"/>
+              </a:rPr>
+              <a:t>Padmashree</a:t>
+            </a:r>
+            <a:r>
+              <a:rPr lang="en-US" sz="1600" dirty="0">
+                <a:solidFill>
+                  <a:srgbClr val="FFFFFF"/>
+                </a:solidFill>
+                <a:latin typeface="+mj-lt"/>
+              </a:rPr>
+              <a:t> International College</a:t>
+            </a:r>
+          </a:p>
+          <a:p>
+            <a:pPr algn="ctr">
+              <a:lnSpc>
+                <a:spcPct val="100000"/>
+              </a:lnSpc>
+            </a:pPr>
+            <a:r>
+              <a:rPr lang="en-US" sz="1600" dirty="0" err="1">
+                <a:solidFill>
+                  <a:srgbClr val="FFFFFF"/>
+                </a:solidFill>
+                <a:latin typeface="+mj-lt"/>
+              </a:rPr>
+              <a:t>Tinkune</a:t>
+            </a:r>
+            <a:r>
+              <a:rPr lang="en-US" sz="1600" dirty="0">
+                <a:solidFill>
+                  <a:srgbClr val="FFFFFF"/>
+                </a:solidFill>
+                <a:latin typeface="+mj-lt"/>
+              </a:rPr>
+              <a:t>, Kathmandu</a:t>
+            </a:r>
+          </a:p>
+          <a:p>
+            <a:pPr algn="ctr">
+              <a:lnSpc>
+                <a:spcPct val="100000"/>
+              </a:lnSpc>
+            </a:pPr>
+            <a:r>
+              <a:rPr lang="en-US" sz="1600" dirty="0" err="1">
+                <a:solidFill>
+                  <a:srgbClr val="FFFFFF"/>
+                </a:solidFill>
+                <a:latin typeface="+mj-lt"/>
+              </a:rPr>
+              <a:t>Bca</a:t>
+            </a:r>
+            <a:r>
+              <a:rPr lang="en-US" sz="1600" dirty="0">
+                <a:solidFill>
+                  <a:srgbClr val="FFFFFF"/>
+                </a:solidFill>
+                <a:latin typeface="+mj-lt"/>
+              </a:rPr>
+              <a:t> 4</a:t>
+            </a:r>
+            <a:r>
+              <a:rPr lang="en-US" sz="1600" baseline="30000" dirty="0">
+                <a:solidFill>
+                  <a:srgbClr val="FFFFFF"/>
+                </a:solidFill>
+                <a:latin typeface="+mj-lt"/>
+              </a:rPr>
+              <a:t>th</a:t>
+            </a:r>
+            <a:r>
+              <a:rPr lang="en-US" sz="1600" dirty="0">
+                <a:solidFill>
+                  <a:srgbClr val="FFFFFF"/>
+                </a:solidFill>
+                <a:latin typeface="+mj-lt"/>
+              </a:rPr>
+              <a:t> semester</a:t>
+            </a:r>
+          </a:p>
+          <a:p>
+            <a:pPr>
+              <a:lnSpc>
+                <a:spcPct val="100000"/>
+              </a:lnSpc>
+            </a:pPr>
+            <a:endParaRPr lang="en-US" sz="1600" dirty="0">
+              <a:solidFill>
+                <a:srgbClr val="FFFFFF"/>
+              </a:solidFill>
+              <a:latin typeface="+mj-lt"/>
+            </a:endParaRPr>
+          </a:p>
+        </p:txBody>
+      </p:sp>
     </p:spTree>
     <p:extLst>
       <p:ext uri="{BB962C8B-B14F-4D97-AF65-F5344CB8AC3E}">
@@ -3895,109 +4210,9 @@
           <a:chExt cx="0" cy="0"/>
         </a:xfrm>
       </p:grpSpPr>
-      <p:cxnSp>
-        <p:nvCxnSpPr>
-          <p:cNvPr id="8" name="Straight Connector 7">
-            <a:extLst>
-              <a:ext uri="{FF2B5EF4-FFF2-40B4-BE49-F238E27FC236}">
-                <a16:creationId xmlns:a16="http://schemas.microsoft.com/office/drawing/2014/main" id="{462919E4-C488-4107-9EF1-66152F848008}"/>
-              </a:ext>
-              <a:ext uri="{C183D7F6-B498-43B3-948B-1728B52AA6E4}">
-                <adec:decorative xmlns:adec="http://schemas.microsoft.com/office/drawing/2017/decorative" val="1"/>
-              </a:ext>
-            </a:extLst>
-          </p:cNvPr>
-          <p:cNvCxnSpPr>
-            <a:cxnSpLocks noGrp="1" noRot="1" noChangeAspect="1" noMove="1" noResize="1" noEditPoints="1" noAdjustHandles="1" noChangeArrowheads="1" noChangeShapeType="1"/>
-          </p:cNvCxnSpPr>
-          <p:nvPr>
-            <p:extLst>
-              <p:ext uri="{386F3935-93C4-4BCD-93E2-E3B085C9AB24}">
-                <p16:designElem xmlns:p16="http://schemas.microsoft.com/office/powerpoint/2015/main" val="1"/>
-              </p:ext>
-            </p:extLst>
-          </p:nvPr>
-        </p:nvCxnSpPr>
-        <p:spPr>
-          <a:xfrm>
-            <a:off x="643467" y="678719"/>
-            <a:ext cx="10905066" cy="0"/>
-          </a:xfrm>
-          <a:prstGeom prst="line">
-            <a:avLst/>
-          </a:prstGeom>
-          <a:ln w="38100"/>
-        </p:spPr>
-        <p:style>
-          <a:lnRef idx="1">
-            <a:schemeClr val="accent1"/>
-          </a:lnRef>
-          <a:fillRef idx="0">
-            <a:schemeClr val="accent1"/>
-          </a:fillRef>
-          <a:effectRef idx="0">
-            <a:schemeClr val="accent1"/>
-          </a:effectRef>
-          <a:fontRef idx="minor">
-            <a:schemeClr val="tx1"/>
-          </a:fontRef>
-        </p:style>
-      </p:cxnSp>
-      <p:cxnSp>
-        <p:nvCxnSpPr>
-          <p:cNvPr id="10" name="Straight Connector 9">
-            <a:extLst>
-              <a:ext uri="{FF2B5EF4-FFF2-40B4-BE49-F238E27FC236}">
-                <a16:creationId xmlns:a16="http://schemas.microsoft.com/office/drawing/2014/main" id="{0BF79732-4088-424C-A653-4534E4389443}"/>
-              </a:ext>
-              <a:ext uri="{C183D7F6-B498-43B3-948B-1728B52AA6E4}">
-                <adec:decorative xmlns:adec="http://schemas.microsoft.com/office/drawing/2017/decorative" val="1"/>
-              </a:ext>
-            </a:extLst>
-          </p:cNvPr>
-          <p:cNvCxnSpPr>
-            <a:cxnSpLocks noGrp="1" noRot="1" noChangeAspect="1" noMove="1" noResize="1" noEditPoints="1" noAdjustHandles="1" noChangeArrowheads="1" noChangeShapeType="1"/>
-          </p:cNvCxnSpPr>
-          <p:nvPr>
-            <p:extLst>
-              <p:ext uri="{386F3935-93C4-4BCD-93E2-E3B085C9AB24}">
-                <p16:designElem xmlns:p16="http://schemas.microsoft.com/office/powerpoint/2015/main" val="1"/>
-              </p:ext>
-            </p:extLst>
-          </p:nvPr>
-        </p:nvCxnSpPr>
-        <p:spPr>
-          <a:xfrm>
-            <a:off x="643467" y="6309695"/>
-            <a:ext cx="10905066" cy="0"/>
-          </a:xfrm>
-          <a:prstGeom prst="line">
-            <a:avLst/>
-          </a:prstGeom>
-          <a:ln w="6350">
-            <a:solidFill>
-              <a:schemeClr val="tx1"/>
-            </a:solidFill>
-          </a:ln>
-        </p:spPr>
-        <p:style>
-          <a:lnRef idx="1">
-            <a:schemeClr val="accent1"/>
-          </a:lnRef>
-          <a:fillRef idx="0">
-            <a:schemeClr val="accent1"/>
-          </a:fillRef>
-          <a:effectRef idx="0">
-            <a:schemeClr val="accent1"/>
-          </a:effectRef>
-          <a:fontRef idx="minor">
-            <a:schemeClr val="tx1"/>
-          </a:fontRef>
-        </p:style>
-      </p:cxnSp>
-      <p:sp>
-        <p:nvSpPr>
-          <p:cNvPr id="12" name="Rectangle 11">
+      <p:sp>
+        <p:nvSpPr>
+          <p:cNvPr id="8" name="Rectangle 7">
             <a:extLst>
               <a:ext uri="{FF2B5EF4-FFF2-40B4-BE49-F238E27FC236}">
                 <a16:creationId xmlns:a16="http://schemas.microsoft.com/office/drawing/2014/main" id="{D6D60CFD-959C-4058-AAE1-8FBF267457FF}"/>
@@ -4076,7 +4291,7 @@
       </p:sp>
       <p:sp>
         <p:nvSpPr>
-          <p:cNvPr id="14" name="Rectangle 13">
+          <p:cNvPr id="10" name="Rectangle 9">
             <a:extLst>
               <a:ext uri="{FF2B5EF4-FFF2-40B4-BE49-F238E27FC236}">
                 <a16:creationId xmlns:a16="http://schemas.microsoft.com/office/drawing/2014/main" id="{FDE44E55-00B5-49D5-9974-AC71F77CB1DA}"/>
@@ -4145,7 +4360,7 @@
           <p:cNvPr id="2" name="Title 1">
             <a:extLst>
               <a:ext uri="{FF2B5EF4-FFF2-40B4-BE49-F238E27FC236}">
-                <a16:creationId xmlns:a16="http://schemas.microsoft.com/office/drawing/2014/main" id="{E1D9FC92-A8DC-44F2-8220-9CFE677AF5CA}"/>
+                <a16:creationId xmlns:a16="http://schemas.microsoft.com/office/drawing/2014/main" id="{23E6CCE9-F58B-4DCB-8B0A-67A9ED8A0A33}"/>
               </a:ext>
             </a:extLst>
           </p:cNvPr>
@@ -4153,66 +4368,32 @@
             <a:spLocks noGrp="1"/>
           </p:cNvSpPr>
           <p:nvPr>
-            <p:ph type="title"/>
-          </p:nvPr>
-        </p:nvSpPr>
-        <p:spPr>
-          <a:xfrm>
-            <a:off x="643466" y="952499"/>
-            <a:ext cx="10905066" cy="4886325"/>
-          </a:xfrm>
-        </p:spPr>
-        <p:txBody>
-          <a:bodyPr vert="horz" lIns="91440" tIns="45720" rIns="91440" bIns="45720" rtlCol="0" anchor="t">
-            <a:normAutofit fontScale="90000"/>
+            <p:ph type="ctrTitle"/>
+          </p:nvPr>
+        </p:nvSpPr>
+        <p:spPr>
+          <a:xfrm>
+            <a:off x="643467" y="1474359"/>
+            <a:ext cx="10905066" cy="921123"/>
+          </a:xfrm>
+        </p:spPr>
+        <p:txBody>
+          <a:bodyPr>
+            <a:normAutofit/>
           </a:bodyPr>
           <a:lstStyle/>
           <a:p>
             <a:pPr algn="ctr"/>
             <a:r>
-              <a:rPr lang="en-US" sz="4000" dirty="0"/>
-              <a:t>ER-Diagram</a:t>
-            </a:r>
-            <a:br>
-              <a:rPr lang="en-US" dirty="0"/>
-            </a:br>
-            <a:br>
-              <a:rPr lang="en-US" dirty="0"/>
-            </a:br>
-            <a:br>
-              <a:rPr lang="en-US" dirty="0"/>
-            </a:br>
-            <a:br>
-              <a:rPr lang="en-US" dirty="0"/>
-            </a:br>
-            <a:br>
-              <a:rPr lang="en-US" dirty="0"/>
-            </a:br>
-            <a:br>
-              <a:rPr lang="en-US" dirty="0"/>
-            </a:br>
-            <a:br>
-              <a:rPr lang="en-US" dirty="0"/>
-            </a:br>
-            <a:br>
-              <a:rPr lang="en-US" dirty="0"/>
-            </a:br>
-            <a:br>
-              <a:rPr lang="en-US" dirty="0"/>
-            </a:br>
-            <a:br>
-              <a:rPr lang="en-US" sz="5400" dirty="0"/>
-            </a:br>
-            <a:br>
-              <a:rPr lang="en-US" sz="5400" dirty="0"/>
-            </a:br>
-            <a:endParaRPr lang="en-US" sz="5400" dirty="0"/>
+              <a:rPr lang="en-US" sz="3600" dirty="0"/>
+              <a:t>Gantt Chart</a:t>
+            </a:r>
           </a:p>
         </p:txBody>
       </p:sp>
       <p:cxnSp>
         <p:nvCxnSpPr>
-          <p:cNvPr id="16" name="Straight Connector 15">
+          <p:cNvPr id="12" name="Straight Connector 11">
             <a:extLst>
               <a:ext uri="{FF2B5EF4-FFF2-40B4-BE49-F238E27FC236}">
                 <a16:creationId xmlns:a16="http://schemas.microsoft.com/office/drawing/2014/main" id="{8B188FD5-419D-4B92-B991-36B280A6B407}"/>
@@ -4264,7 +4445,7 @@
       </p:cxnSp>
       <p:cxnSp>
         <p:nvCxnSpPr>
-          <p:cNvPr id="18" name="Straight Connector 17">
+          <p:cNvPr id="14" name="Straight Connector 13">
             <a:extLst>
               <a:ext uri="{FF2B5EF4-FFF2-40B4-BE49-F238E27FC236}">
                 <a16:creationId xmlns:a16="http://schemas.microsoft.com/office/drawing/2014/main" id="{A6C4509E-372A-4887-8258-D29A53EFD7E1}"/>
@@ -4316,10 +4497,10 @@
       </p:cxnSp>
       <p:pic>
         <p:nvPicPr>
-          <p:cNvPr id="4" name="Picture 3">
-            <a:extLst>
-              <a:ext uri="{FF2B5EF4-FFF2-40B4-BE49-F238E27FC236}">
-                <a16:creationId xmlns:a16="http://schemas.microsoft.com/office/drawing/2014/main" id="{0880442A-0888-484D-B341-07969B61D1F8}"/>
+          <p:cNvPr id="4" name="Picture 3" descr="A graph of a project&#10;&#10;Description automatically generated with medium confidence">
+            <a:extLst>
+              <a:ext uri="{FF2B5EF4-FFF2-40B4-BE49-F238E27FC236}">
+                <a16:creationId xmlns:a16="http://schemas.microsoft.com/office/drawing/2014/main" id="{13B9D93C-2AF4-48B0-9447-8871416B282A}"/>
               </a:ext>
             </a:extLst>
           </p:cNvPr>
@@ -4329,45 +4510,21 @@
           <p:nvPr/>
         </p:nvPicPr>
         <p:blipFill>
-          <a:blip r:embed="rId2"/>
+          <a:blip r:embed="rId2">
+            <a:extLst>
+              <a:ext uri="{28A0092B-C50C-407E-A947-70E740481C1C}">
+                <a14:useLocalDpi xmlns:a14="http://schemas.microsoft.com/office/drawing/2010/main" val="0"/>
+              </a:ext>
+            </a:extLst>
+          </a:blip>
           <a:stretch>
             <a:fillRect/>
           </a:stretch>
         </p:blipFill>
         <p:spPr>
           <a:xfrm>
-            <a:off x="796290" y="2037607"/>
-            <a:ext cx="4553585" cy="3553321"/>
-          </a:xfrm>
-          <a:prstGeom prst="rect">
-            <a:avLst/>
-          </a:prstGeom>
-        </p:spPr>
-      </p:pic>
-      <p:pic>
-        <p:nvPicPr>
-          <p:cNvPr id="6" name="Picture 5">
-            <a:extLst>
-              <a:ext uri="{FF2B5EF4-FFF2-40B4-BE49-F238E27FC236}">
-                <a16:creationId xmlns:a16="http://schemas.microsoft.com/office/drawing/2014/main" id="{4A914D73-D160-45FE-B1D2-B0BDEB042A41}"/>
-              </a:ext>
-            </a:extLst>
-          </p:cNvPr>
-          <p:cNvPicPr>
-            <a:picLocks noChangeAspect="1"/>
-          </p:cNvPicPr>
-          <p:nvPr/>
-        </p:nvPicPr>
-        <p:blipFill>
-          <a:blip r:embed="rId3"/>
-          <a:stretch>
-            <a:fillRect/>
-          </a:stretch>
-        </p:blipFill>
-        <p:spPr>
-          <a:xfrm>
-            <a:off x="5993341" y="2037607"/>
-            <a:ext cx="5169959" cy="3553320"/>
+            <a:off x="3249448" y="2395482"/>
+            <a:ext cx="5944115" cy="3101609"/>
           </a:xfrm>
           <a:prstGeom prst="rect">
             <a:avLst/>
@@ -4377,7 +4534,7 @@
     </p:spTree>
     <p:extLst>
       <p:ext uri="{BB962C8B-B14F-4D97-AF65-F5344CB8AC3E}">
-        <p14:creationId xmlns:p14="http://schemas.microsoft.com/office/powerpoint/2010/main" val="3442496767"/>
+        <p14:creationId xmlns:p14="http://schemas.microsoft.com/office/powerpoint/2010/main" val="3376935253"/>
       </p:ext>
     </p:extLst>
   </p:cSld>
@@ -4679,7 +4836,7 @@
         <p:spPr>
           <a:xfrm>
             <a:off x="643466" y="952499"/>
-            <a:ext cx="10905066" cy="4886325"/>
+            <a:ext cx="10905066" cy="4970779"/>
           </a:xfrm>
         </p:spPr>
         <p:txBody>
@@ -4691,7 +4848,7 @@
             <a:pPr algn="ctr"/>
             <a:r>
               <a:rPr lang="en-US" sz="4000" dirty="0"/>
-              <a:t>DFD</a:t>
+              <a:t>ER-Diagram</a:t>
             </a:r>
             <a:br>
               <a:rPr lang="en-US" dirty="0"/>
@@ -4726,7 +4883,10 @@
             <a:br>
               <a:rPr lang="en-US" sz="5400" dirty="0"/>
             </a:br>
-            <a:endParaRPr lang="en-US" sz="5400" dirty="0"/>
+            <a:r>
+              <a:rPr lang="en-US" sz="1800" dirty="0"/>
+              <a:t>Er Diagram for Expenses</a:t>
+            </a:r>
           </a:p>
         </p:txBody>
       </p:sp>
@@ -4836,10 +4996,10 @@
       </p:cxnSp>
       <p:pic>
         <p:nvPicPr>
-          <p:cNvPr id="5" name="Picture 4">
-            <a:extLst>
-              <a:ext uri="{FF2B5EF4-FFF2-40B4-BE49-F238E27FC236}">
-                <a16:creationId xmlns:a16="http://schemas.microsoft.com/office/drawing/2014/main" id="{E29DD639-05CA-4C1F-A262-CA6043E91AFE}"/>
+          <p:cNvPr id="4" name="Picture 3">
+            <a:extLst>
+              <a:ext uri="{FF2B5EF4-FFF2-40B4-BE49-F238E27FC236}">
+                <a16:creationId xmlns:a16="http://schemas.microsoft.com/office/drawing/2014/main" id="{19A1E2B5-42CF-4B60-965D-009D0192FBF1}"/>
               </a:ext>
             </a:extLst>
           </p:cNvPr>
@@ -4849,45 +5009,21 @@
           <p:nvPr/>
         </p:nvPicPr>
         <p:blipFill>
-          <a:blip r:embed="rId2"/>
+          <a:blip r:embed="rId2">
+            <a:extLst>
+              <a:ext uri="{28A0092B-C50C-407E-A947-70E740481C1C}">
+                <a14:useLocalDpi xmlns:a14="http://schemas.microsoft.com/office/drawing/2010/main" val="0"/>
+              </a:ext>
+            </a:extLst>
+          </a:blip>
           <a:stretch>
             <a:fillRect/>
           </a:stretch>
         </p:blipFill>
         <p:spPr>
           <a:xfrm>
-            <a:off x="1014009" y="1995287"/>
-            <a:ext cx="5081991" cy="2867425"/>
-          </a:xfrm>
-          <a:prstGeom prst="rect">
-            <a:avLst/>
-          </a:prstGeom>
-        </p:spPr>
-      </p:pic>
-      <p:pic>
-        <p:nvPicPr>
-          <p:cNvPr id="9" name="Picture 8">
-            <a:extLst>
-              <a:ext uri="{FF2B5EF4-FFF2-40B4-BE49-F238E27FC236}">
-                <a16:creationId xmlns:a16="http://schemas.microsoft.com/office/drawing/2014/main" id="{C6567943-B08D-4611-8C7D-50868913C13A}"/>
-              </a:ext>
-            </a:extLst>
-          </p:cNvPr>
-          <p:cNvPicPr>
-            <a:picLocks noChangeAspect="1"/>
-          </p:cNvPicPr>
-          <p:nvPr/>
-        </p:nvPicPr>
-        <p:blipFill>
-          <a:blip r:embed="rId3"/>
-          <a:stretch>
-            <a:fillRect/>
-          </a:stretch>
-        </p:blipFill>
-        <p:spPr>
-          <a:xfrm>
-            <a:off x="6376690" y="1919287"/>
-            <a:ext cx="4801301" cy="3019425"/>
+            <a:off x="2538319" y="1640670"/>
+            <a:ext cx="7115360" cy="4120721"/>
           </a:xfrm>
           <a:prstGeom prst="rect">
             <a:avLst/>
@@ -4897,7 +5033,7 @@
     </p:spTree>
     <p:extLst>
       <p:ext uri="{BB962C8B-B14F-4D97-AF65-F5344CB8AC3E}">
-        <p14:creationId xmlns:p14="http://schemas.microsoft.com/office/powerpoint/2010/main" val="373264877"/>
+        <p14:creationId xmlns:p14="http://schemas.microsoft.com/office/powerpoint/2010/main" val="3442496767"/>
       </p:ext>
     </p:extLst>
   </p:cSld>
@@ -5198,8 +5334,8 @@
         </p:nvSpPr>
         <p:spPr>
           <a:xfrm>
-            <a:off x="804830" y="985837"/>
-            <a:ext cx="9163922" cy="4886325"/>
+            <a:off x="643466" y="952499"/>
+            <a:ext cx="10905066" cy="4970779"/>
           </a:xfrm>
         </p:spPr>
         <p:txBody>
@@ -5208,131 +5344,1570 @@
           </a:bodyPr>
           <a:lstStyle/>
           <a:p>
+            <a:pPr algn="ctr"/>
             <a:r>
               <a:rPr lang="en-US" sz="4000" dirty="0"/>
-              <a:t>Implementation Tools</a:t>
+              <a:t>ER-Diagram</a:t>
             </a:r>
             <a:br>
               <a:rPr lang="en-US" dirty="0"/>
             </a:br>
-            <a:r>
+            <a:br>
               <a:rPr lang="en-US" dirty="0"/>
-              <a:t>	</a:t>
-            </a:r>
-            <a:r>
-              <a:rPr lang="en-US" sz="2200" dirty="0"/>
-              <a:t>1. Front-End Tools</a:t>
-            </a:r>
-            <a:br>
-              <a:rPr lang="en-US" sz="2200" dirty="0"/>
-            </a:br>
-            <a:r>
-              <a:rPr lang="en-US" sz="2200" dirty="0"/>
-              <a:t>		</a:t>
-            </a:r>
-            <a:r>
-              <a:rPr lang="en-US" sz="1800" dirty="0"/>
-              <a:t>I . HTML</a:t>
-            </a:r>
-            <a:br>
-              <a:rPr lang="en-US" sz="2200" dirty="0"/>
-            </a:br>
-            <a:r>
-              <a:rPr lang="en-US" sz="2200" dirty="0"/>
-              <a:t>		</a:t>
-            </a:r>
-            <a:r>
-              <a:rPr lang="en-US" sz="1800" dirty="0"/>
-              <a:t>II . CSS</a:t>
-            </a:r>
-            <a:br>
-              <a:rPr lang="en-US" sz="2200" dirty="0"/>
-            </a:br>
-            <a:r>
-              <a:rPr lang="en-US" sz="2200" dirty="0"/>
-              <a:t>		</a:t>
-            </a:r>
-            <a:r>
-              <a:rPr lang="en-US" sz="1800" dirty="0"/>
-              <a:t>III . JavaScript</a:t>
-            </a:r>
-            <a:br>
-              <a:rPr lang="en-US" sz="1800" dirty="0"/>
             </a:br>
             <a:br>
-              <a:rPr lang="en-US" sz="2200" dirty="0"/>
-            </a:br>
-            <a:r>
-              <a:rPr lang="en-US" sz="2200" dirty="0"/>
-              <a:t>	2. Back-End Tools</a:t>
-            </a:r>
-            <a:br>
-              <a:rPr lang="en-US" sz="2200" dirty="0"/>
-            </a:br>
-            <a:r>
-              <a:rPr lang="en-US" sz="2200" dirty="0"/>
-              <a:t>		</a:t>
-            </a:r>
-            <a:r>
-              <a:rPr lang="en-US" sz="1800" dirty="0"/>
-              <a:t>I . Php</a:t>
-            </a:r>
-            <a:br>
-              <a:rPr lang="en-US" sz="2200" dirty="0"/>
+              <a:rPr lang="en-US" dirty="0"/>
             </a:br>
             <a:br>
-              <a:rPr lang="en-US" sz="2200" dirty="0"/>
-            </a:br>
-            <a:r>
-              <a:rPr lang="en-US" sz="2200" dirty="0"/>
-              <a:t>	3. Database</a:t>
-            </a:r>
-            <a:br>
-              <a:rPr lang="en-US" sz="2200" dirty="0"/>
-            </a:br>
-            <a:r>
-              <a:rPr lang="en-US" sz="2200" dirty="0"/>
-              <a:t>		</a:t>
-            </a:r>
-            <a:r>
-              <a:rPr lang="en-US" sz="1800" dirty="0"/>
-              <a:t>I . MySQL</a:t>
-            </a:r>
-            <a:br>
-              <a:rPr lang="en-US" sz="2200" dirty="0"/>
+              <a:rPr lang="en-US" dirty="0"/>
             </a:br>
             <a:br>
-              <a:rPr lang="en-US" sz="2200" dirty="0"/>
+              <a:rPr lang="en-US" dirty="0"/>
             </a:br>
-            <a:r>
-              <a:rPr lang="en-US" sz="2200" dirty="0"/>
-              <a:t>	4. Documentation Tools</a:t>
-            </a:r>
             <a:br>
-              <a:rPr lang="en-US" sz="2200" dirty="0"/>
+              <a:rPr lang="en-US" dirty="0"/>
             </a:br>
-            <a:r>
-              <a:rPr lang="en-US" sz="2200" dirty="0"/>
-              <a:t>		</a:t>
-            </a:r>
+            <a:br>
+              <a:rPr lang="en-US" dirty="0"/>
+            </a:br>
+            <a:br>
+              <a:rPr lang="en-US" dirty="0"/>
+            </a:br>
+            <a:br>
+              <a:rPr lang="en-US" dirty="0"/>
+            </a:br>
+            <a:br>
+              <a:rPr lang="en-US" sz="5400" dirty="0"/>
+            </a:br>
+            <a:br>
+              <a:rPr lang="en-US" sz="5400" dirty="0"/>
+            </a:br>
             <a:r>
               <a:rPr lang="en-US" sz="1800" dirty="0"/>
-              <a:t>I . MS PowerPoint</a:t>
+              <a:t>Er Diagram for Incomes</a:t>
+            </a:r>
+          </a:p>
+        </p:txBody>
+      </p:sp>
+      <p:cxnSp>
+        <p:nvCxnSpPr>
+          <p:cNvPr id="16" name="Straight Connector 15">
+            <a:extLst>
+              <a:ext uri="{FF2B5EF4-FFF2-40B4-BE49-F238E27FC236}">
+                <a16:creationId xmlns:a16="http://schemas.microsoft.com/office/drawing/2014/main" id="{8B188FD5-419D-4B92-B991-36B280A6B407}"/>
+              </a:ext>
+              <a:ext uri="{C183D7F6-B498-43B3-948B-1728B52AA6E4}">
+                <adec:decorative xmlns:adec="http://schemas.microsoft.com/office/drawing/2017/decorative" val="1"/>
+              </a:ext>
+            </a:extLst>
+          </p:cNvPr>
+          <p:cNvCxnSpPr>
+            <a:cxnSpLocks noGrp="1" noRot="1" noChangeAspect="1" noMove="1" noResize="1" noEditPoints="1" noAdjustHandles="1" noChangeArrowheads="1" noChangeShapeType="1"/>
+          </p:cNvCxnSpPr>
+          <p:nvPr>
+            <p:extLst>
+              <p:ext uri="{386F3935-93C4-4BCD-93E2-E3B085C9AB24}">
+                <p16:designElem xmlns:p16="http://schemas.microsoft.com/office/powerpoint/2015/main" val="1"/>
+              </p:ext>
+            </p:extLst>
+          </p:nvPr>
+        </p:nvCxnSpPr>
+        <p:spPr>
+          <a:xfrm>
+            <a:off x="643467" y="679177"/>
+            <a:ext cx="10905066" cy="0"/>
+          </a:xfrm>
+          <a:prstGeom prst="line">
+            <a:avLst/>
+          </a:prstGeom>
+          <a:ln w="44450">
+            <a:solidFill>
+              <a:schemeClr val="accent1"/>
+            </a:solidFill>
+          </a:ln>
+        </p:spPr>
+        <p:style>
+          <a:lnRef idx="1">
+            <a:schemeClr val="accent1"/>
+          </a:lnRef>
+          <a:fillRef idx="0">
+            <a:schemeClr val="accent1"/>
+          </a:fillRef>
+          <a:effectRef idx="0">
+            <a:schemeClr val="accent1"/>
+          </a:effectRef>
+          <a:fontRef idx="minor">
+            <a:schemeClr val="tx1"/>
+          </a:fontRef>
+        </p:style>
+      </p:cxnSp>
+      <p:cxnSp>
+        <p:nvCxnSpPr>
+          <p:cNvPr id="18" name="Straight Connector 17">
+            <a:extLst>
+              <a:ext uri="{FF2B5EF4-FFF2-40B4-BE49-F238E27FC236}">
+                <a16:creationId xmlns:a16="http://schemas.microsoft.com/office/drawing/2014/main" id="{A6C4509E-372A-4887-8258-D29A53EFD7E1}"/>
+              </a:ext>
+              <a:ext uri="{C183D7F6-B498-43B3-948B-1728B52AA6E4}">
+                <adec:decorative xmlns:adec="http://schemas.microsoft.com/office/drawing/2017/decorative" val="1"/>
+              </a:ext>
+            </a:extLst>
+          </p:cNvPr>
+          <p:cNvCxnSpPr>
+            <a:cxnSpLocks noGrp="1" noRot="1" noChangeAspect="1" noMove="1" noResize="1" noEditPoints="1" noAdjustHandles="1" noChangeArrowheads="1" noChangeShapeType="1"/>
+          </p:cNvCxnSpPr>
+          <p:nvPr>
+            <p:extLst>
+              <p:ext uri="{386F3935-93C4-4BCD-93E2-E3B085C9AB24}">
+                <p16:designElem xmlns:p16="http://schemas.microsoft.com/office/powerpoint/2015/main" val="1"/>
+              </p:ext>
+            </p:extLst>
+          </p:nvPr>
+        </p:nvCxnSpPr>
+        <p:spPr>
+          <a:xfrm>
+            <a:off x="643467" y="6309695"/>
+            <a:ext cx="10905066" cy="0"/>
+          </a:xfrm>
+          <a:prstGeom prst="line">
+            <a:avLst/>
+          </a:prstGeom>
+          <a:ln w="9525">
+            <a:solidFill>
+              <a:schemeClr val="bg2"/>
+            </a:solidFill>
+          </a:ln>
+        </p:spPr>
+        <p:style>
+          <a:lnRef idx="1">
+            <a:schemeClr val="accent1"/>
+          </a:lnRef>
+          <a:fillRef idx="0">
+            <a:schemeClr val="accent1"/>
+          </a:fillRef>
+          <a:effectRef idx="0">
+            <a:schemeClr val="accent1"/>
+          </a:effectRef>
+          <a:fontRef idx="minor">
+            <a:schemeClr val="tx1"/>
+          </a:fontRef>
+        </p:style>
+      </p:cxnSp>
+      <p:pic>
+        <p:nvPicPr>
+          <p:cNvPr id="5" name="Picture 4">
+            <a:extLst>
+              <a:ext uri="{FF2B5EF4-FFF2-40B4-BE49-F238E27FC236}">
+                <a16:creationId xmlns:a16="http://schemas.microsoft.com/office/drawing/2014/main" id="{97D0F3E6-B3D7-4655-A4FE-A7C0CD3CC349}"/>
+              </a:ext>
+            </a:extLst>
+          </p:cNvPr>
+          <p:cNvPicPr>
+            <a:picLocks noChangeAspect="1"/>
+          </p:cNvPicPr>
+          <p:nvPr/>
+        </p:nvPicPr>
+        <p:blipFill>
+          <a:blip r:embed="rId2">
+            <a:extLst>
+              <a:ext uri="{28A0092B-C50C-407E-A947-70E740481C1C}">
+                <a14:useLocalDpi xmlns:a14="http://schemas.microsoft.com/office/drawing/2010/main" val="0"/>
+              </a:ext>
+            </a:extLst>
+          </a:blip>
+          <a:stretch>
+            <a:fillRect/>
+          </a:stretch>
+        </p:blipFill>
+        <p:spPr>
+          <a:xfrm>
+            <a:off x="2020887" y="1801069"/>
+            <a:ext cx="8941753" cy="3756451"/>
+          </a:xfrm>
+          <a:prstGeom prst="rect">
+            <a:avLst/>
+          </a:prstGeom>
+        </p:spPr>
+      </p:pic>
+    </p:spTree>
+    <p:extLst>
+      <p:ext uri="{BB962C8B-B14F-4D97-AF65-F5344CB8AC3E}">
+        <p14:creationId xmlns:p14="http://schemas.microsoft.com/office/powerpoint/2010/main" val="307521184"/>
+      </p:ext>
+    </p:extLst>
+  </p:cSld>
+  <p:clrMapOvr>
+    <a:masterClrMapping/>
+  </p:clrMapOvr>
+  <p:transition spd="slow">
+    <p:push dir="u"/>
+  </p:transition>
+</p:sld>
+</file>
+
+<file path=ppt/slides/slide13.xml><?xml version="1.0" encoding="utf-8"?>
+<p:sld xmlns:a="http://schemas.openxmlformats.org/drawingml/2006/main" xmlns:r="http://schemas.openxmlformats.org/officeDocument/2006/relationships" xmlns:p="http://schemas.openxmlformats.org/presentationml/2006/main">
+  <p:cSld>
+    <p:bg>
+      <p:bgPr>
+        <a:solidFill>
+          <a:schemeClr val="bg1"/>
+        </a:solidFill>
+        <a:effectLst/>
+      </p:bgPr>
+    </p:bg>
+    <p:spTree>
+      <p:nvGrpSpPr>
+        <p:cNvPr id="1" name=""/>
+        <p:cNvGrpSpPr/>
+        <p:nvPr/>
+      </p:nvGrpSpPr>
+      <p:grpSpPr>
+        <a:xfrm>
+          <a:off x="0" y="0"/>
+          <a:ext cx="0" cy="0"/>
+          <a:chOff x="0" y="0"/>
+          <a:chExt cx="0" cy="0"/>
+        </a:xfrm>
+      </p:grpSpPr>
+      <p:cxnSp>
+        <p:nvCxnSpPr>
+          <p:cNvPr id="8" name="Straight Connector 7">
+            <a:extLst>
+              <a:ext uri="{FF2B5EF4-FFF2-40B4-BE49-F238E27FC236}">
+                <a16:creationId xmlns:a16="http://schemas.microsoft.com/office/drawing/2014/main" id="{462919E4-C488-4107-9EF1-66152F848008}"/>
+              </a:ext>
+              <a:ext uri="{C183D7F6-B498-43B3-948B-1728B52AA6E4}">
+                <adec:decorative xmlns:adec="http://schemas.microsoft.com/office/drawing/2017/decorative" val="1"/>
+              </a:ext>
+            </a:extLst>
+          </p:cNvPr>
+          <p:cNvCxnSpPr>
+            <a:cxnSpLocks noGrp="1" noRot="1" noChangeAspect="1" noMove="1" noResize="1" noEditPoints="1" noAdjustHandles="1" noChangeArrowheads="1" noChangeShapeType="1"/>
+          </p:cNvCxnSpPr>
+          <p:nvPr>
+            <p:extLst>
+              <p:ext uri="{386F3935-93C4-4BCD-93E2-E3B085C9AB24}">
+                <p16:designElem xmlns:p16="http://schemas.microsoft.com/office/powerpoint/2015/main" val="1"/>
+              </p:ext>
+            </p:extLst>
+          </p:nvPr>
+        </p:nvCxnSpPr>
+        <p:spPr>
+          <a:xfrm>
+            <a:off x="643467" y="678719"/>
+            <a:ext cx="10905066" cy="0"/>
+          </a:xfrm>
+          <a:prstGeom prst="line">
+            <a:avLst/>
+          </a:prstGeom>
+          <a:ln w="38100"/>
+        </p:spPr>
+        <p:style>
+          <a:lnRef idx="1">
+            <a:schemeClr val="accent1"/>
+          </a:lnRef>
+          <a:fillRef idx="0">
+            <a:schemeClr val="accent1"/>
+          </a:fillRef>
+          <a:effectRef idx="0">
+            <a:schemeClr val="accent1"/>
+          </a:effectRef>
+          <a:fontRef idx="minor">
+            <a:schemeClr val="tx1"/>
+          </a:fontRef>
+        </p:style>
+      </p:cxnSp>
+      <p:cxnSp>
+        <p:nvCxnSpPr>
+          <p:cNvPr id="10" name="Straight Connector 9">
+            <a:extLst>
+              <a:ext uri="{FF2B5EF4-FFF2-40B4-BE49-F238E27FC236}">
+                <a16:creationId xmlns:a16="http://schemas.microsoft.com/office/drawing/2014/main" id="{0BF79732-4088-424C-A653-4534E4389443}"/>
+              </a:ext>
+              <a:ext uri="{C183D7F6-B498-43B3-948B-1728B52AA6E4}">
+                <adec:decorative xmlns:adec="http://schemas.microsoft.com/office/drawing/2017/decorative" val="1"/>
+              </a:ext>
+            </a:extLst>
+          </p:cNvPr>
+          <p:cNvCxnSpPr>
+            <a:cxnSpLocks noGrp="1" noRot="1" noChangeAspect="1" noMove="1" noResize="1" noEditPoints="1" noAdjustHandles="1" noChangeArrowheads="1" noChangeShapeType="1"/>
+          </p:cNvCxnSpPr>
+          <p:nvPr>
+            <p:extLst>
+              <p:ext uri="{386F3935-93C4-4BCD-93E2-E3B085C9AB24}">
+                <p16:designElem xmlns:p16="http://schemas.microsoft.com/office/powerpoint/2015/main" val="1"/>
+              </p:ext>
+            </p:extLst>
+          </p:nvPr>
+        </p:nvCxnSpPr>
+        <p:spPr>
+          <a:xfrm>
+            <a:off x="643467" y="6309695"/>
+            <a:ext cx="10905066" cy="0"/>
+          </a:xfrm>
+          <a:prstGeom prst="line">
+            <a:avLst/>
+          </a:prstGeom>
+          <a:ln w="6350">
+            <a:solidFill>
+              <a:schemeClr val="tx1"/>
+            </a:solidFill>
+          </a:ln>
+        </p:spPr>
+        <p:style>
+          <a:lnRef idx="1">
+            <a:schemeClr val="accent1"/>
+          </a:lnRef>
+          <a:fillRef idx="0">
+            <a:schemeClr val="accent1"/>
+          </a:fillRef>
+          <a:effectRef idx="0">
+            <a:schemeClr val="accent1"/>
+          </a:effectRef>
+          <a:fontRef idx="minor">
+            <a:schemeClr val="tx1"/>
+          </a:fontRef>
+        </p:style>
+      </p:cxnSp>
+      <p:sp>
+        <p:nvSpPr>
+          <p:cNvPr id="12" name="Rectangle 11">
+            <a:extLst>
+              <a:ext uri="{FF2B5EF4-FFF2-40B4-BE49-F238E27FC236}">
+                <a16:creationId xmlns:a16="http://schemas.microsoft.com/office/drawing/2014/main" id="{D6D60CFD-959C-4058-AAE1-8FBF267457FF}"/>
+              </a:ext>
+              <a:ext uri="{C183D7F6-B498-43B3-948B-1728B52AA6E4}">
+                <adec:decorative xmlns:adec="http://schemas.microsoft.com/office/drawing/2017/decorative" val="1"/>
+              </a:ext>
+            </a:extLst>
+          </p:cNvPr>
+          <p:cNvSpPr>
+            <a:spLocks noGrp="1" noRot="1" noChangeAspect="1" noMove="1" noResize="1" noEditPoints="1" noAdjustHandles="1" noChangeArrowheads="1" noChangeShapeType="1" noTextEdit="1"/>
+          </p:cNvSpPr>
+          <p:nvPr>
+            <p:extLst>
+              <p:ext uri="{386F3935-93C4-4BCD-93E2-E3B085C9AB24}">
+                <p16:designElem xmlns:p16="http://schemas.microsoft.com/office/powerpoint/2015/main" val="1"/>
+              </p:ext>
+            </p:extLst>
+          </p:nvPr>
+        </p:nvSpPr>
+        <p:spPr>
+          <a:xfrm>
+            <a:off x="0" y="0"/>
+            <a:ext cx="12192000" cy="6858000"/>
+          </a:xfrm>
+          <a:prstGeom prst="rect">
+            <a:avLst/>
+          </a:prstGeom>
+          <a:solidFill>
+            <a:schemeClr val="bg1"/>
+          </a:solidFill>
+          <a:ln w="12700" cap="flat" cmpd="sng" algn="ctr">
+            <a:noFill/>
+            <a:prstDash val="solid"/>
+            <a:miter lim="800000"/>
+          </a:ln>
+          <a:effectLst/>
+          <a:extLst>
+            <a:ext uri="{91240B29-F687-4F45-9708-019B960494DF}">
+              <a14:hiddenLine xmlns:a14="http://schemas.microsoft.com/office/drawing/2010/main" w="12700" cap="flat" cmpd="sng" algn="ctr">
+                <a:solidFill>
+                  <a:schemeClr val="accent1">
+                    <a:shade val="50000"/>
+                  </a:schemeClr>
+                </a:solidFill>
+                <a:prstDash val="solid"/>
+                <a:miter lim="800000"/>
+              </a14:hiddenLine>
+            </a:ext>
+          </a:extLst>
+        </p:spPr>
+        <p:style>
+          <a:lnRef idx="2">
+            <a:schemeClr val="accent1">
+              <a:shade val="50000"/>
+            </a:schemeClr>
+          </a:lnRef>
+          <a:fillRef idx="1">
+            <a:schemeClr val="accent1"/>
+          </a:fillRef>
+          <a:effectRef idx="0">
+            <a:schemeClr val="accent1"/>
+          </a:effectRef>
+          <a:fontRef idx="minor">
+            <a:schemeClr val="lt1"/>
+          </a:fontRef>
+        </p:style>
+        <p:txBody>
+          <a:bodyPr rtlCol="0" anchor="ctr"/>
+          <a:lstStyle/>
+          <a:p>
+            <a:pPr algn="ctr"/>
+            <a:endParaRPr lang="en-US"/>
+          </a:p>
+        </p:txBody>
+      </p:sp>
+      <p:sp>
+        <p:nvSpPr>
+          <p:cNvPr id="14" name="Rectangle 13">
+            <a:extLst>
+              <a:ext uri="{FF2B5EF4-FFF2-40B4-BE49-F238E27FC236}">
+                <a16:creationId xmlns:a16="http://schemas.microsoft.com/office/drawing/2014/main" id="{FDE44E55-00B5-49D5-9974-AC71F77CB1DA}"/>
+              </a:ext>
+              <a:ext uri="{C183D7F6-B498-43B3-948B-1728B52AA6E4}">
+                <adec:decorative xmlns:adec="http://schemas.microsoft.com/office/drawing/2017/decorative" val="1"/>
+              </a:ext>
+            </a:extLst>
+          </p:cNvPr>
+          <p:cNvSpPr>
+            <a:spLocks noGrp="1" noRot="1" noChangeAspect="1" noMove="1" noResize="1" noEditPoints="1" noAdjustHandles="1" noChangeArrowheads="1" noChangeShapeType="1" noTextEdit="1"/>
+          </p:cNvSpPr>
+          <p:nvPr>
+            <p:extLst>
+              <p:ext uri="{386F3935-93C4-4BCD-93E2-E3B085C9AB24}">
+                <p16:designElem xmlns:p16="http://schemas.microsoft.com/office/powerpoint/2015/main" val="1"/>
+              </p:ext>
+            </p:extLst>
+          </p:nvPr>
+        </p:nvSpPr>
+        <p:spPr>
+          <a:xfrm>
+            <a:off x="0" y="0"/>
+            <a:ext cx="12192000" cy="6858000"/>
+          </a:xfrm>
+          <a:prstGeom prst="rect">
+            <a:avLst/>
+          </a:prstGeom>
+          <a:solidFill>
+            <a:schemeClr val="tx2"/>
+          </a:solidFill>
+          <a:ln w="12700" cap="flat" cmpd="sng" algn="ctr">
+            <a:noFill/>
+            <a:prstDash val="solid"/>
+            <a:miter lim="800000"/>
+          </a:ln>
+          <a:effectLst/>
+        </p:spPr>
+        <p:style>
+          <a:lnRef idx="2">
+            <a:schemeClr val="accent1">
+              <a:shade val="50000"/>
+            </a:schemeClr>
+          </a:lnRef>
+          <a:fillRef idx="1">
+            <a:schemeClr val="accent1"/>
+          </a:fillRef>
+          <a:effectRef idx="0">
+            <a:schemeClr val="accent1"/>
+          </a:effectRef>
+          <a:fontRef idx="minor">
+            <a:schemeClr val="lt1"/>
+          </a:fontRef>
+        </p:style>
+        <p:txBody>
+          <a:bodyPr rtlCol="0" anchor="ctr"/>
+          <a:lstStyle/>
+          <a:p>
+            <a:pPr algn="ctr"/>
+            <a:endParaRPr lang="en-US"/>
+          </a:p>
+        </p:txBody>
+      </p:sp>
+      <p:sp>
+        <p:nvSpPr>
+          <p:cNvPr id="2" name="Title 1">
+            <a:extLst>
+              <a:ext uri="{FF2B5EF4-FFF2-40B4-BE49-F238E27FC236}">
+                <a16:creationId xmlns:a16="http://schemas.microsoft.com/office/drawing/2014/main" id="{E1D9FC92-A8DC-44F2-8220-9CFE677AF5CA}"/>
+              </a:ext>
+            </a:extLst>
+          </p:cNvPr>
+          <p:cNvSpPr>
+            <a:spLocks noGrp="1"/>
+          </p:cNvSpPr>
+          <p:nvPr>
+            <p:ph type="title"/>
+          </p:nvPr>
+        </p:nvSpPr>
+        <p:spPr>
+          <a:xfrm>
+            <a:off x="643466" y="952499"/>
+            <a:ext cx="10905066" cy="4886325"/>
+          </a:xfrm>
+        </p:spPr>
+        <p:txBody>
+          <a:bodyPr vert="horz" lIns="91440" tIns="45720" rIns="91440" bIns="45720" rtlCol="0" anchor="t">
+            <a:normAutofit fontScale="90000"/>
+          </a:bodyPr>
+          <a:lstStyle/>
+          <a:p>
+            <a:pPr algn="ctr"/>
+            <a:r>
+              <a:rPr lang="en-US" sz="4000" dirty="0"/>
+              <a:t>DFD</a:t>
             </a:r>
             <a:br>
+              <a:rPr lang="en-US" sz="4000" dirty="0"/>
+            </a:br>
+            <a:br>
+              <a:rPr lang="en-US" sz="4000" dirty="0"/>
+            </a:br>
+            <a:br>
+              <a:rPr lang="en-US" sz="4000" dirty="0"/>
+            </a:br>
+            <a:br>
+              <a:rPr lang="en-US" sz="4000" dirty="0"/>
+            </a:br>
+            <a:br>
+              <a:rPr lang="en-US" sz="4000" dirty="0"/>
+            </a:br>
+            <a:br>
+              <a:rPr lang="en-US" sz="4000" dirty="0"/>
+            </a:br>
+            <a:br>
+              <a:rPr lang="en-US" sz="4000" dirty="0"/>
+            </a:br>
+            <a:br>
+              <a:rPr lang="en-US" sz="4000" dirty="0"/>
+            </a:br>
+            <a:br>
+              <a:rPr lang="en-US" sz="4000" dirty="0"/>
+            </a:br>
+            <a:r>
               <a:rPr lang="en-US" sz="1800" dirty="0"/>
+              <a:t>Level 0 DFD</a:t>
+            </a:r>
+            <a:br>
+              <a:rPr lang="en-US" dirty="0"/>
             </a:br>
+            <a:br>
+              <a:rPr lang="en-US" dirty="0"/>
+            </a:br>
+            <a:br>
+              <a:rPr lang="en-US" dirty="0"/>
+            </a:br>
+            <a:br>
+              <a:rPr lang="en-US" dirty="0"/>
+            </a:br>
+            <a:br>
+              <a:rPr lang="en-US" dirty="0"/>
+            </a:br>
+            <a:br>
+              <a:rPr lang="en-US" dirty="0"/>
+            </a:br>
+            <a:br>
+              <a:rPr lang="en-US" dirty="0"/>
+            </a:br>
+            <a:br>
+              <a:rPr lang="en-US" dirty="0"/>
+            </a:br>
+            <a:br>
+              <a:rPr lang="en-US" dirty="0"/>
+            </a:br>
+            <a:br>
+              <a:rPr lang="en-US" sz="5400" dirty="0"/>
+            </a:br>
+            <a:br>
+              <a:rPr lang="en-US" sz="5400" dirty="0"/>
+            </a:br>
+            <a:endParaRPr lang="en-US" sz="5400" dirty="0"/>
+          </a:p>
+        </p:txBody>
+      </p:sp>
+      <p:cxnSp>
+        <p:nvCxnSpPr>
+          <p:cNvPr id="16" name="Straight Connector 15">
+            <a:extLst>
+              <a:ext uri="{FF2B5EF4-FFF2-40B4-BE49-F238E27FC236}">
+                <a16:creationId xmlns:a16="http://schemas.microsoft.com/office/drawing/2014/main" id="{8B188FD5-419D-4B92-B991-36B280A6B407}"/>
+              </a:ext>
+              <a:ext uri="{C183D7F6-B498-43B3-948B-1728B52AA6E4}">
+                <adec:decorative xmlns:adec="http://schemas.microsoft.com/office/drawing/2017/decorative" val="1"/>
+              </a:ext>
+            </a:extLst>
+          </p:cNvPr>
+          <p:cNvCxnSpPr>
+            <a:cxnSpLocks noGrp="1" noRot="1" noChangeAspect="1" noMove="1" noResize="1" noEditPoints="1" noAdjustHandles="1" noChangeArrowheads="1" noChangeShapeType="1"/>
+          </p:cNvCxnSpPr>
+          <p:nvPr>
+            <p:extLst>
+              <p:ext uri="{386F3935-93C4-4BCD-93E2-E3B085C9AB24}">
+                <p16:designElem xmlns:p16="http://schemas.microsoft.com/office/powerpoint/2015/main" val="1"/>
+              </p:ext>
+            </p:extLst>
+          </p:nvPr>
+        </p:nvCxnSpPr>
+        <p:spPr>
+          <a:xfrm>
+            <a:off x="643467" y="679177"/>
+            <a:ext cx="10905066" cy="0"/>
+          </a:xfrm>
+          <a:prstGeom prst="line">
+            <a:avLst/>
+          </a:prstGeom>
+          <a:ln w="44450">
+            <a:solidFill>
+              <a:schemeClr val="accent1"/>
+            </a:solidFill>
+          </a:ln>
+        </p:spPr>
+        <p:style>
+          <a:lnRef idx="1">
+            <a:schemeClr val="accent1"/>
+          </a:lnRef>
+          <a:fillRef idx="0">
+            <a:schemeClr val="accent1"/>
+          </a:fillRef>
+          <a:effectRef idx="0">
+            <a:schemeClr val="accent1"/>
+          </a:effectRef>
+          <a:fontRef idx="minor">
+            <a:schemeClr val="tx1"/>
+          </a:fontRef>
+        </p:style>
+      </p:cxnSp>
+      <p:cxnSp>
+        <p:nvCxnSpPr>
+          <p:cNvPr id="18" name="Straight Connector 17">
+            <a:extLst>
+              <a:ext uri="{FF2B5EF4-FFF2-40B4-BE49-F238E27FC236}">
+                <a16:creationId xmlns:a16="http://schemas.microsoft.com/office/drawing/2014/main" id="{A6C4509E-372A-4887-8258-D29A53EFD7E1}"/>
+              </a:ext>
+              <a:ext uri="{C183D7F6-B498-43B3-948B-1728B52AA6E4}">
+                <adec:decorative xmlns:adec="http://schemas.microsoft.com/office/drawing/2017/decorative" val="1"/>
+              </a:ext>
+            </a:extLst>
+          </p:cNvPr>
+          <p:cNvCxnSpPr>
+            <a:cxnSpLocks noGrp="1" noRot="1" noChangeAspect="1" noMove="1" noResize="1" noEditPoints="1" noAdjustHandles="1" noChangeArrowheads="1" noChangeShapeType="1"/>
+          </p:cNvCxnSpPr>
+          <p:nvPr>
+            <p:extLst>
+              <p:ext uri="{386F3935-93C4-4BCD-93E2-E3B085C9AB24}">
+                <p16:designElem xmlns:p16="http://schemas.microsoft.com/office/powerpoint/2015/main" val="1"/>
+              </p:ext>
+            </p:extLst>
+          </p:nvPr>
+        </p:nvCxnSpPr>
+        <p:spPr>
+          <a:xfrm>
+            <a:off x="643467" y="6309695"/>
+            <a:ext cx="10905066" cy="0"/>
+          </a:xfrm>
+          <a:prstGeom prst="line">
+            <a:avLst/>
+          </a:prstGeom>
+          <a:ln w="9525">
+            <a:solidFill>
+              <a:schemeClr val="bg2"/>
+            </a:solidFill>
+          </a:ln>
+        </p:spPr>
+        <p:style>
+          <a:lnRef idx="1">
+            <a:schemeClr val="accent1"/>
+          </a:lnRef>
+          <a:fillRef idx="0">
+            <a:schemeClr val="accent1"/>
+          </a:fillRef>
+          <a:effectRef idx="0">
+            <a:schemeClr val="accent1"/>
+          </a:effectRef>
+          <a:fontRef idx="minor">
+            <a:schemeClr val="tx1"/>
+          </a:fontRef>
+        </p:style>
+      </p:cxnSp>
+      <p:pic>
+        <p:nvPicPr>
+          <p:cNvPr id="4" name="Picture 3" descr="A diagram of a personal finance tracker&#10;&#10;Description automatically generated">
+            <a:extLst>
+              <a:ext uri="{FF2B5EF4-FFF2-40B4-BE49-F238E27FC236}">
+                <a16:creationId xmlns:a16="http://schemas.microsoft.com/office/drawing/2014/main" id="{FD296CAF-2579-4F09-9E27-AA097F63E59D}"/>
+              </a:ext>
+            </a:extLst>
+          </p:cNvPr>
+          <p:cNvPicPr>
+            <a:picLocks noChangeAspect="1"/>
+          </p:cNvPicPr>
+          <p:nvPr/>
+        </p:nvPicPr>
+        <p:blipFill>
+          <a:blip r:embed="rId2">
+            <a:extLst>
+              <a:ext uri="{28A0092B-C50C-407E-A947-70E740481C1C}">
+                <a14:useLocalDpi xmlns:a14="http://schemas.microsoft.com/office/drawing/2010/main" val="0"/>
+              </a:ext>
+            </a:extLst>
+          </a:blip>
+          <a:stretch>
+            <a:fillRect/>
+          </a:stretch>
+        </p:blipFill>
+        <p:spPr>
+          <a:xfrm>
+            <a:off x="2949892" y="1957387"/>
+            <a:ext cx="6962775" cy="2943225"/>
+          </a:xfrm>
+          <a:prstGeom prst="rect">
+            <a:avLst/>
+          </a:prstGeom>
+        </p:spPr>
+      </p:pic>
+    </p:spTree>
+    <p:extLst>
+      <p:ext uri="{BB962C8B-B14F-4D97-AF65-F5344CB8AC3E}">
+        <p14:creationId xmlns:p14="http://schemas.microsoft.com/office/powerpoint/2010/main" val="373264877"/>
+      </p:ext>
+    </p:extLst>
+  </p:cSld>
+  <p:clrMapOvr>
+    <a:masterClrMapping/>
+  </p:clrMapOvr>
+  <p:transition spd="slow">
+    <p:push dir="u"/>
+  </p:transition>
+</p:sld>
+</file>
+
+<file path=ppt/slides/slide14.xml><?xml version="1.0" encoding="utf-8"?>
+<p:sld xmlns:a="http://schemas.openxmlformats.org/drawingml/2006/main" xmlns:r="http://schemas.openxmlformats.org/officeDocument/2006/relationships" xmlns:p="http://schemas.openxmlformats.org/presentationml/2006/main">
+  <p:cSld>
+    <p:bg>
+      <p:bgPr>
+        <a:solidFill>
+          <a:schemeClr val="bg1"/>
+        </a:solidFill>
+        <a:effectLst/>
+      </p:bgPr>
+    </p:bg>
+    <p:spTree>
+      <p:nvGrpSpPr>
+        <p:cNvPr id="1" name=""/>
+        <p:cNvGrpSpPr/>
+        <p:nvPr/>
+      </p:nvGrpSpPr>
+      <p:grpSpPr>
+        <a:xfrm>
+          <a:off x="0" y="0"/>
+          <a:ext cx="0" cy="0"/>
+          <a:chOff x="0" y="0"/>
+          <a:chExt cx="0" cy="0"/>
+        </a:xfrm>
+      </p:grpSpPr>
+      <p:cxnSp>
+        <p:nvCxnSpPr>
+          <p:cNvPr id="8" name="Straight Connector 7">
+            <a:extLst>
+              <a:ext uri="{FF2B5EF4-FFF2-40B4-BE49-F238E27FC236}">
+                <a16:creationId xmlns:a16="http://schemas.microsoft.com/office/drawing/2014/main" id="{462919E4-C488-4107-9EF1-66152F848008}"/>
+              </a:ext>
+              <a:ext uri="{C183D7F6-B498-43B3-948B-1728B52AA6E4}">
+                <adec:decorative xmlns:adec="http://schemas.microsoft.com/office/drawing/2017/decorative" val="1"/>
+              </a:ext>
+            </a:extLst>
+          </p:cNvPr>
+          <p:cNvCxnSpPr>
+            <a:cxnSpLocks noGrp="1" noRot="1" noChangeAspect="1" noMove="1" noResize="1" noEditPoints="1" noAdjustHandles="1" noChangeArrowheads="1" noChangeShapeType="1"/>
+          </p:cNvCxnSpPr>
+          <p:nvPr>
+            <p:extLst>
+              <p:ext uri="{386F3935-93C4-4BCD-93E2-E3B085C9AB24}">
+                <p16:designElem xmlns:p16="http://schemas.microsoft.com/office/powerpoint/2015/main" val="1"/>
+              </p:ext>
+            </p:extLst>
+          </p:nvPr>
+        </p:nvCxnSpPr>
+        <p:spPr>
+          <a:xfrm>
+            <a:off x="643467" y="678719"/>
+            <a:ext cx="10905066" cy="0"/>
+          </a:xfrm>
+          <a:prstGeom prst="line">
+            <a:avLst/>
+          </a:prstGeom>
+          <a:ln w="38100"/>
+        </p:spPr>
+        <p:style>
+          <a:lnRef idx="1">
+            <a:schemeClr val="accent1"/>
+          </a:lnRef>
+          <a:fillRef idx="0">
+            <a:schemeClr val="accent1"/>
+          </a:fillRef>
+          <a:effectRef idx="0">
+            <a:schemeClr val="accent1"/>
+          </a:effectRef>
+          <a:fontRef idx="minor">
+            <a:schemeClr val="tx1"/>
+          </a:fontRef>
+        </p:style>
+      </p:cxnSp>
+      <p:cxnSp>
+        <p:nvCxnSpPr>
+          <p:cNvPr id="10" name="Straight Connector 9">
+            <a:extLst>
+              <a:ext uri="{FF2B5EF4-FFF2-40B4-BE49-F238E27FC236}">
+                <a16:creationId xmlns:a16="http://schemas.microsoft.com/office/drawing/2014/main" id="{0BF79732-4088-424C-A653-4534E4389443}"/>
+              </a:ext>
+              <a:ext uri="{C183D7F6-B498-43B3-948B-1728B52AA6E4}">
+                <adec:decorative xmlns:adec="http://schemas.microsoft.com/office/drawing/2017/decorative" val="1"/>
+              </a:ext>
+            </a:extLst>
+          </p:cNvPr>
+          <p:cNvCxnSpPr>
+            <a:cxnSpLocks noGrp="1" noRot="1" noChangeAspect="1" noMove="1" noResize="1" noEditPoints="1" noAdjustHandles="1" noChangeArrowheads="1" noChangeShapeType="1"/>
+          </p:cNvCxnSpPr>
+          <p:nvPr>
+            <p:extLst>
+              <p:ext uri="{386F3935-93C4-4BCD-93E2-E3B085C9AB24}">
+                <p16:designElem xmlns:p16="http://schemas.microsoft.com/office/powerpoint/2015/main" val="1"/>
+              </p:ext>
+            </p:extLst>
+          </p:nvPr>
+        </p:nvCxnSpPr>
+        <p:spPr>
+          <a:xfrm>
+            <a:off x="643467" y="6309695"/>
+            <a:ext cx="10905066" cy="0"/>
+          </a:xfrm>
+          <a:prstGeom prst="line">
+            <a:avLst/>
+          </a:prstGeom>
+          <a:ln w="6350">
+            <a:solidFill>
+              <a:schemeClr val="tx1"/>
+            </a:solidFill>
+          </a:ln>
+        </p:spPr>
+        <p:style>
+          <a:lnRef idx="1">
+            <a:schemeClr val="accent1"/>
+          </a:lnRef>
+          <a:fillRef idx="0">
+            <a:schemeClr val="accent1"/>
+          </a:fillRef>
+          <a:effectRef idx="0">
+            <a:schemeClr val="accent1"/>
+          </a:effectRef>
+          <a:fontRef idx="minor">
+            <a:schemeClr val="tx1"/>
+          </a:fontRef>
+        </p:style>
+      </p:cxnSp>
+      <p:sp>
+        <p:nvSpPr>
+          <p:cNvPr id="12" name="Rectangle 11">
+            <a:extLst>
+              <a:ext uri="{FF2B5EF4-FFF2-40B4-BE49-F238E27FC236}">
+                <a16:creationId xmlns:a16="http://schemas.microsoft.com/office/drawing/2014/main" id="{D6D60CFD-959C-4058-AAE1-8FBF267457FF}"/>
+              </a:ext>
+              <a:ext uri="{C183D7F6-B498-43B3-948B-1728B52AA6E4}">
+                <adec:decorative xmlns:adec="http://schemas.microsoft.com/office/drawing/2017/decorative" val="1"/>
+              </a:ext>
+            </a:extLst>
+          </p:cNvPr>
+          <p:cNvSpPr>
+            <a:spLocks noGrp="1" noRot="1" noChangeAspect="1" noMove="1" noResize="1" noEditPoints="1" noAdjustHandles="1" noChangeArrowheads="1" noChangeShapeType="1" noTextEdit="1"/>
+          </p:cNvSpPr>
+          <p:nvPr>
+            <p:extLst>
+              <p:ext uri="{386F3935-93C4-4BCD-93E2-E3B085C9AB24}">
+                <p16:designElem xmlns:p16="http://schemas.microsoft.com/office/powerpoint/2015/main" val="1"/>
+              </p:ext>
+            </p:extLst>
+          </p:nvPr>
+        </p:nvSpPr>
+        <p:spPr>
+          <a:xfrm>
+            <a:off x="0" y="0"/>
+            <a:ext cx="12192000" cy="6858000"/>
+          </a:xfrm>
+          <a:prstGeom prst="rect">
+            <a:avLst/>
+          </a:prstGeom>
+          <a:solidFill>
+            <a:schemeClr val="bg1"/>
+          </a:solidFill>
+          <a:ln w="12700" cap="flat" cmpd="sng" algn="ctr">
+            <a:noFill/>
+            <a:prstDash val="solid"/>
+            <a:miter lim="800000"/>
+          </a:ln>
+          <a:effectLst/>
+          <a:extLst>
+            <a:ext uri="{91240B29-F687-4F45-9708-019B960494DF}">
+              <a14:hiddenLine xmlns:a14="http://schemas.microsoft.com/office/drawing/2010/main" w="12700" cap="flat" cmpd="sng" algn="ctr">
+                <a:solidFill>
+                  <a:schemeClr val="accent1">
+                    <a:shade val="50000"/>
+                  </a:schemeClr>
+                </a:solidFill>
+                <a:prstDash val="solid"/>
+                <a:miter lim="800000"/>
+              </a14:hiddenLine>
+            </a:ext>
+          </a:extLst>
+        </p:spPr>
+        <p:style>
+          <a:lnRef idx="2">
+            <a:schemeClr val="accent1">
+              <a:shade val="50000"/>
+            </a:schemeClr>
+          </a:lnRef>
+          <a:fillRef idx="1">
+            <a:schemeClr val="accent1"/>
+          </a:fillRef>
+          <a:effectRef idx="0">
+            <a:schemeClr val="accent1"/>
+          </a:effectRef>
+          <a:fontRef idx="minor">
+            <a:schemeClr val="lt1"/>
+          </a:fontRef>
+        </p:style>
+        <p:txBody>
+          <a:bodyPr rtlCol="0" anchor="ctr"/>
+          <a:lstStyle/>
+          <a:p>
+            <a:pPr algn="ctr"/>
+            <a:endParaRPr lang="en-US"/>
+          </a:p>
+        </p:txBody>
+      </p:sp>
+      <p:sp>
+        <p:nvSpPr>
+          <p:cNvPr id="14" name="Rectangle 13">
+            <a:extLst>
+              <a:ext uri="{FF2B5EF4-FFF2-40B4-BE49-F238E27FC236}">
+                <a16:creationId xmlns:a16="http://schemas.microsoft.com/office/drawing/2014/main" id="{FDE44E55-00B5-49D5-9974-AC71F77CB1DA}"/>
+              </a:ext>
+              <a:ext uri="{C183D7F6-B498-43B3-948B-1728B52AA6E4}">
+                <adec:decorative xmlns:adec="http://schemas.microsoft.com/office/drawing/2017/decorative" val="1"/>
+              </a:ext>
+            </a:extLst>
+          </p:cNvPr>
+          <p:cNvSpPr>
+            <a:spLocks noGrp="1" noRot="1" noChangeAspect="1" noMove="1" noResize="1" noEditPoints="1" noAdjustHandles="1" noChangeArrowheads="1" noChangeShapeType="1" noTextEdit="1"/>
+          </p:cNvSpPr>
+          <p:nvPr>
+            <p:extLst>
+              <p:ext uri="{386F3935-93C4-4BCD-93E2-E3B085C9AB24}">
+                <p16:designElem xmlns:p16="http://schemas.microsoft.com/office/powerpoint/2015/main" val="1"/>
+              </p:ext>
+            </p:extLst>
+          </p:nvPr>
+        </p:nvSpPr>
+        <p:spPr>
+          <a:xfrm>
+            <a:off x="0" y="0"/>
+            <a:ext cx="12192000" cy="6858000"/>
+          </a:xfrm>
+          <a:prstGeom prst="rect">
+            <a:avLst/>
+          </a:prstGeom>
+          <a:solidFill>
+            <a:schemeClr val="tx2"/>
+          </a:solidFill>
+          <a:ln w="12700" cap="flat" cmpd="sng" algn="ctr">
+            <a:noFill/>
+            <a:prstDash val="solid"/>
+            <a:miter lim="800000"/>
+          </a:ln>
+          <a:effectLst/>
+        </p:spPr>
+        <p:style>
+          <a:lnRef idx="2">
+            <a:schemeClr val="accent1">
+              <a:shade val="50000"/>
+            </a:schemeClr>
+          </a:lnRef>
+          <a:fillRef idx="1">
+            <a:schemeClr val="accent1"/>
+          </a:fillRef>
+          <a:effectRef idx="0">
+            <a:schemeClr val="accent1"/>
+          </a:effectRef>
+          <a:fontRef idx="minor">
+            <a:schemeClr val="lt1"/>
+          </a:fontRef>
+        </p:style>
+        <p:txBody>
+          <a:bodyPr rtlCol="0" anchor="ctr"/>
+          <a:lstStyle/>
+          <a:p>
+            <a:pPr algn="ctr"/>
+            <a:endParaRPr lang="en-US"/>
+          </a:p>
+        </p:txBody>
+      </p:sp>
+      <p:sp>
+        <p:nvSpPr>
+          <p:cNvPr id="2" name="Title 1">
+            <a:extLst>
+              <a:ext uri="{FF2B5EF4-FFF2-40B4-BE49-F238E27FC236}">
+                <a16:creationId xmlns:a16="http://schemas.microsoft.com/office/drawing/2014/main" id="{E1D9FC92-A8DC-44F2-8220-9CFE677AF5CA}"/>
+              </a:ext>
+            </a:extLst>
+          </p:cNvPr>
+          <p:cNvSpPr>
+            <a:spLocks noGrp="1"/>
+          </p:cNvSpPr>
+          <p:nvPr>
+            <p:ph type="title"/>
+          </p:nvPr>
+        </p:nvSpPr>
+        <p:spPr>
+          <a:xfrm>
+            <a:off x="643466" y="952499"/>
+            <a:ext cx="10905066" cy="4886325"/>
+          </a:xfrm>
+        </p:spPr>
+        <p:txBody>
+          <a:bodyPr vert="horz" lIns="91440" tIns="45720" rIns="91440" bIns="45720" rtlCol="0" anchor="t">
+            <a:normAutofit fontScale="90000"/>
+          </a:bodyPr>
+          <a:lstStyle/>
+          <a:p>
+            <a:pPr algn="ctr"/>
+            <a:r>
+              <a:rPr lang="en-US" sz="4000" dirty="0"/>
+              <a:t>DFD</a:t>
+            </a:r>
+            <a:br>
+              <a:rPr lang="en-US" sz="4000" dirty="0"/>
+            </a:br>
+            <a:br>
+              <a:rPr lang="en-US" sz="4000" dirty="0"/>
+            </a:br>
+            <a:br>
+              <a:rPr lang="en-US" sz="4000" dirty="0"/>
+            </a:br>
+            <a:br>
+              <a:rPr lang="en-US" sz="4000" dirty="0"/>
+            </a:br>
+            <a:br>
+              <a:rPr lang="en-US" sz="4000" dirty="0"/>
+            </a:br>
+            <a:br>
+              <a:rPr lang="en-US" sz="4000" dirty="0"/>
+            </a:br>
+            <a:br>
+              <a:rPr lang="en-US" sz="4000" dirty="0"/>
+            </a:br>
+            <a:br>
+              <a:rPr lang="en-US" sz="4000" dirty="0"/>
+            </a:br>
+            <a:br>
+              <a:rPr lang="en-US" sz="4000" dirty="0"/>
+            </a:br>
+            <a:br>
+              <a:rPr lang="en-US" sz="4000" dirty="0"/>
+            </a:br>
             <a:r>
               <a:rPr lang="en-US" sz="1800" dirty="0"/>
-              <a:t>		II . MS Word</a:t>
+              <a:t>Figure: Level 1 DFD</a:t>
             </a:r>
             <a:br>
-              <a:rPr lang="en-US" sz="1800" dirty="0"/>
+              <a:rPr lang="en-US" dirty="0"/>
             </a:br>
-            <a:r>
-              <a:rPr lang="en-US" sz="1800" dirty="0"/>
-              <a:t>		III . Draw.io</a:t>
-            </a:r>
+            <a:br>
+              <a:rPr lang="en-US" dirty="0"/>
+            </a:br>
+            <a:br>
+              <a:rPr lang="en-US" dirty="0"/>
+            </a:br>
+            <a:br>
+              <a:rPr lang="en-US" dirty="0"/>
+            </a:br>
+            <a:br>
+              <a:rPr lang="en-US" dirty="0"/>
+            </a:br>
+            <a:br>
+              <a:rPr lang="en-US" dirty="0"/>
+            </a:br>
+            <a:br>
+              <a:rPr lang="en-US" dirty="0"/>
+            </a:br>
+            <a:br>
+              <a:rPr lang="en-US" dirty="0"/>
+            </a:br>
+            <a:br>
+              <a:rPr lang="en-US" dirty="0"/>
+            </a:br>
+            <a:br>
+              <a:rPr lang="en-US" sz="5400" dirty="0"/>
+            </a:br>
+            <a:br>
+              <a:rPr lang="en-US" sz="5400" dirty="0"/>
+            </a:br>
+            <a:endParaRPr lang="en-US" sz="5400" dirty="0"/>
+          </a:p>
+        </p:txBody>
+      </p:sp>
+      <p:cxnSp>
+        <p:nvCxnSpPr>
+          <p:cNvPr id="16" name="Straight Connector 15">
+            <a:extLst>
+              <a:ext uri="{FF2B5EF4-FFF2-40B4-BE49-F238E27FC236}">
+                <a16:creationId xmlns:a16="http://schemas.microsoft.com/office/drawing/2014/main" id="{8B188FD5-419D-4B92-B991-36B280A6B407}"/>
+              </a:ext>
+              <a:ext uri="{C183D7F6-B498-43B3-948B-1728B52AA6E4}">
+                <adec:decorative xmlns:adec="http://schemas.microsoft.com/office/drawing/2017/decorative" val="1"/>
+              </a:ext>
+            </a:extLst>
+          </p:cNvPr>
+          <p:cNvCxnSpPr>
+            <a:cxnSpLocks noGrp="1" noRot="1" noChangeAspect="1" noMove="1" noResize="1" noEditPoints="1" noAdjustHandles="1" noChangeArrowheads="1" noChangeShapeType="1"/>
+          </p:cNvCxnSpPr>
+          <p:nvPr>
+            <p:extLst>
+              <p:ext uri="{386F3935-93C4-4BCD-93E2-E3B085C9AB24}">
+                <p16:designElem xmlns:p16="http://schemas.microsoft.com/office/powerpoint/2015/main" val="1"/>
+              </p:ext>
+            </p:extLst>
+          </p:nvPr>
+        </p:nvCxnSpPr>
+        <p:spPr>
+          <a:xfrm>
+            <a:off x="643467" y="679177"/>
+            <a:ext cx="10905066" cy="0"/>
+          </a:xfrm>
+          <a:prstGeom prst="line">
+            <a:avLst/>
+          </a:prstGeom>
+          <a:ln w="44450">
+            <a:solidFill>
+              <a:schemeClr val="accent1"/>
+            </a:solidFill>
+          </a:ln>
+        </p:spPr>
+        <p:style>
+          <a:lnRef idx="1">
+            <a:schemeClr val="accent1"/>
+          </a:lnRef>
+          <a:fillRef idx="0">
+            <a:schemeClr val="accent1"/>
+          </a:fillRef>
+          <a:effectRef idx="0">
+            <a:schemeClr val="accent1"/>
+          </a:effectRef>
+          <a:fontRef idx="minor">
+            <a:schemeClr val="tx1"/>
+          </a:fontRef>
+        </p:style>
+      </p:cxnSp>
+      <p:cxnSp>
+        <p:nvCxnSpPr>
+          <p:cNvPr id="18" name="Straight Connector 17">
+            <a:extLst>
+              <a:ext uri="{FF2B5EF4-FFF2-40B4-BE49-F238E27FC236}">
+                <a16:creationId xmlns:a16="http://schemas.microsoft.com/office/drawing/2014/main" id="{A6C4509E-372A-4887-8258-D29A53EFD7E1}"/>
+              </a:ext>
+              <a:ext uri="{C183D7F6-B498-43B3-948B-1728B52AA6E4}">
+                <adec:decorative xmlns:adec="http://schemas.microsoft.com/office/drawing/2017/decorative" val="1"/>
+              </a:ext>
+            </a:extLst>
+          </p:cNvPr>
+          <p:cNvCxnSpPr>
+            <a:cxnSpLocks noGrp="1" noRot="1" noChangeAspect="1" noMove="1" noResize="1" noEditPoints="1" noAdjustHandles="1" noChangeArrowheads="1" noChangeShapeType="1"/>
+          </p:cNvCxnSpPr>
+          <p:nvPr>
+            <p:extLst>
+              <p:ext uri="{386F3935-93C4-4BCD-93E2-E3B085C9AB24}">
+                <p16:designElem xmlns:p16="http://schemas.microsoft.com/office/powerpoint/2015/main" val="1"/>
+              </p:ext>
+            </p:extLst>
+          </p:nvPr>
+        </p:nvCxnSpPr>
+        <p:spPr>
+          <a:xfrm>
+            <a:off x="643467" y="6309695"/>
+            <a:ext cx="10905066" cy="0"/>
+          </a:xfrm>
+          <a:prstGeom prst="line">
+            <a:avLst/>
+          </a:prstGeom>
+          <a:ln w="9525">
+            <a:solidFill>
+              <a:schemeClr val="bg2"/>
+            </a:solidFill>
+          </a:ln>
+        </p:spPr>
+        <p:style>
+          <a:lnRef idx="1">
+            <a:schemeClr val="accent1"/>
+          </a:lnRef>
+          <a:fillRef idx="0">
+            <a:schemeClr val="accent1"/>
+          </a:fillRef>
+          <a:effectRef idx="0">
+            <a:schemeClr val="accent1"/>
+          </a:effectRef>
+          <a:fontRef idx="minor">
+            <a:schemeClr val="tx1"/>
+          </a:fontRef>
+        </p:style>
+      </p:cxnSp>
+      <p:pic>
+        <p:nvPicPr>
+          <p:cNvPr id="5" name="Picture 4" descr="A diagram of a personal finance tracker&#10;&#10;Description automatically generated">
+            <a:extLst>
+              <a:ext uri="{FF2B5EF4-FFF2-40B4-BE49-F238E27FC236}">
+                <a16:creationId xmlns:a16="http://schemas.microsoft.com/office/drawing/2014/main" id="{DF6C18E5-9654-46E0-B6A2-A0DA8B6CDF7A}"/>
+              </a:ext>
+            </a:extLst>
+          </p:cNvPr>
+          <p:cNvPicPr>
+            <a:picLocks noChangeAspect="1"/>
+          </p:cNvPicPr>
+          <p:nvPr/>
+        </p:nvPicPr>
+        <p:blipFill>
+          <a:blip r:embed="rId2">
+            <a:extLst>
+              <a:ext uri="{28A0092B-C50C-407E-A947-70E740481C1C}">
+                <a14:useLocalDpi xmlns:a14="http://schemas.microsoft.com/office/drawing/2010/main" val="0"/>
+              </a:ext>
+            </a:extLst>
+          </a:blip>
+          <a:stretch>
+            <a:fillRect/>
+          </a:stretch>
+        </p:blipFill>
+        <p:spPr>
+          <a:xfrm>
+            <a:off x="2974975" y="1681529"/>
+            <a:ext cx="7032625" cy="3624898"/>
+          </a:xfrm>
+          <a:prstGeom prst="rect">
+            <a:avLst/>
+          </a:prstGeom>
+        </p:spPr>
+      </p:pic>
+    </p:spTree>
+    <p:extLst>
+      <p:ext uri="{BB962C8B-B14F-4D97-AF65-F5344CB8AC3E}">
+        <p14:creationId xmlns:p14="http://schemas.microsoft.com/office/powerpoint/2010/main" val="4288861925"/>
+      </p:ext>
+    </p:extLst>
+  </p:cSld>
+  <p:clrMapOvr>
+    <a:masterClrMapping/>
+  </p:clrMapOvr>
+  <p:transition spd="slow">
+    <p:push dir="u"/>
+  </p:transition>
+</p:sld>
+</file>
+
+<file path=ppt/slides/slide15.xml><?xml version="1.0" encoding="utf-8"?>
+<p:sld xmlns:a="http://schemas.openxmlformats.org/drawingml/2006/main" xmlns:r="http://schemas.openxmlformats.org/officeDocument/2006/relationships" xmlns:p="http://schemas.openxmlformats.org/presentationml/2006/main">
+  <p:cSld>
+    <p:bg>
+      <p:bgPr>
+        <a:solidFill>
+          <a:schemeClr val="bg1"/>
+        </a:solidFill>
+        <a:effectLst/>
+      </p:bgPr>
+    </p:bg>
+    <p:spTree>
+      <p:nvGrpSpPr>
+        <p:cNvPr id="1" name=""/>
+        <p:cNvGrpSpPr/>
+        <p:nvPr/>
+      </p:nvGrpSpPr>
+      <p:grpSpPr>
+        <a:xfrm>
+          <a:off x="0" y="0"/>
+          <a:ext cx="0" cy="0"/>
+          <a:chOff x="0" y="0"/>
+          <a:chExt cx="0" cy="0"/>
+        </a:xfrm>
+      </p:grpSpPr>
+      <p:cxnSp>
+        <p:nvCxnSpPr>
+          <p:cNvPr id="8" name="Straight Connector 7">
+            <a:extLst>
+              <a:ext uri="{FF2B5EF4-FFF2-40B4-BE49-F238E27FC236}">
+                <a16:creationId xmlns:a16="http://schemas.microsoft.com/office/drawing/2014/main" id="{462919E4-C488-4107-9EF1-66152F848008}"/>
+              </a:ext>
+              <a:ext uri="{C183D7F6-B498-43B3-948B-1728B52AA6E4}">
+                <adec:decorative xmlns:adec="http://schemas.microsoft.com/office/drawing/2017/decorative" val="1"/>
+              </a:ext>
+            </a:extLst>
+          </p:cNvPr>
+          <p:cNvCxnSpPr>
+            <a:cxnSpLocks noGrp="1" noRot="1" noChangeAspect="1" noMove="1" noResize="1" noEditPoints="1" noAdjustHandles="1" noChangeArrowheads="1" noChangeShapeType="1"/>
+          </p:cNvCxnSpPr>
+          <p:nvPr>
+            <p:extLst>
+              <p:ext uri="{386F3935-93C4-4BCD-93E2-E3B085C9AB24}">
+                <p16:designElem xmlns:p16="http://schemas.microsoft.com/office/powerpoint/2015/main" val="1"/>
+              </p:ext>
+            </p:extLst>
+          </p:nvPr>
+        </p:nvCxnSpPr>
+        <p:spPr>
+          <a:xfrm>
+            <a:off x="643467" y="678719"/>
+            <a:ext cx="10905066" cy="0"/>
+          </a:xfrm>
+          <a:prstGeom prst="line">
+            <a:avLst/>
+          </a:prstGeom>
+          <a:ln w="38100"/>
+        </p:spPr>
+        <p:style>
+          <a:lnRef idx="1">
+            <a:schemeClr val="accent1"/>
+          </a:lnRef>
+          <a:fillRef idx="0">
+            <a:schemeClr val="accent1"/>
+          </a:fillRef>
+          <a:effectRef idx="0">
+            <a:schemeClr val="accent1"/>
+          </a:effectRef>
+          <a:fontRef idx="minor">
+            <a:schemeClr val="tx1"/>
+          </a:fontRef>
+        </p:style>
+      </p:cxnSp>
+      <p:cxnSp>
+        <p:nvCxnSpPr>
+          <p:cNvPr id="10" name="Straight Connector 9">
+            <a:extLst>
+              <a:ext uri="{FF2B5EF4-FFF2-40B4-BE49-F238E27FC236}">
+                <a16:creationId xmlns:a16="http://schemas.microsoft.com/office/drawing/2014/main" id="{0BF79732-4088-424C-A653-4534E4389443}"/>
+              </a:ext>
+              <a:ext uri="{C183D7F6-B498-43B3-948B-1728B52AA6E4}">
+                <adec:decorative xmlns:adec="http://schemas.microsoft.com/office/drawing/2017/decorative" val="1"/>
+              </a:ext>
+            </a:extLst>
+          </p:cNvPr>
+          <p:cNvCxnSpPr>
+            <a:cxnSpLocks noGrp="1" noRot="1" noChangeAspect="1" noMove="1" noResize="1" noEditPoints="1" noAdjustHandles="1" noChangeArrowheads="1" noChangeShapeType="1"/>
+          </p:cNvCxnSpPr>
+          <p:nvPr>
+            <p:extLst>
+              <p:ext uri="{386F3935-93C4-4BCD-93E2-E3B085C9AB24}">
+                <p16:designElem xmlns:p16="http://schemas.microsoft.com/office/powerpoint/2015/main" val="1"/>
+              </p:ext>
+            </p:extLst>
+          </p:nvPr>
+        </p:nvCxnSpPr>
+        <p:spPr>
+          <a:xfrm>
+            <a:off x="643467" y="6309695"/>
+            <a:ext cx="10905066" cy="0"/>
+          </a:xfrm>
+          <a:prstGeom prst="line">
+            <a:avLst/>
+          </a:prstGeom>
+          <a:ln w="6350">
+            <a:solidFill>
+              <a:schemeClr val="tx1"/>
+            </a:solidFill>
+          </a:ln>
+        </p:spPr>
+        <p:style>
+          <a:lnRef idx="1">
+            <a:schemeClr val="accent1"/>
+          </a:lnRef>
+          <a:fillRef idx="0">
+            <a:schemeClr val="accent1"/>
+          </a:fillRef>
+          <a:effectRef idx="0">
+            <a:schemeClr val="accent1"/>
+          </a:effectRef>
+          <a:fontRef idx="minor">
+            <a:schemeClr val="tx1"/>
+          </a:fontRef>
+        </p:style>
+      </p:cxnSp>
+      <p:sp>
+        <p:nvSpPr>
+          <p:cNvPr id="12" name="Rectangle 11">
+            <a:extLst>
+              <a:ext uri="{FF2B5EF4-FFF2-40B4-BE49-F238E27FC236}">
+                <a16:creationId xmlns:a16="http://schemas.microsoft.com/office/drawing/2014/main" id="{D6D60CFD-959C-4058-AAE1-8FBF267457FF}"/>
+              </a:ext>
+              <a:ext uri="{C183D7F6-B498-43B3-948B-1728B52AA6E4}">
+                <adec:decorative xmlns:adec="http://schemas.microsoft.com/office/drawing/2017/decorative" val="1"/>
+              </a:ext>
+            </a:extLst>
+          </p:cNvPr>
+          <p:cNvSpPr>
+            <a:spLocks noGrp="1" noRot="1" noChangeAspect="1" noMove="1" noResize="1" noEditPoints="1" noAdjustHandles="1" noChangeArrowheads="1" noChangeShapeType="1" noTextEdit="1"/>
+          </p:cNvSpPr>
+          <p:nvPr>
+            <p:extLst>
+              <p:ext uri="{386F3935-93C4-4BCD-93E2-E3B085C9AB24}">
+                <p16:designElem xmlns:p16="http://schemas.microsoft.com/office/powerpoint/2015/main" val="1"/>
+              </p:ext>
+            </p:extLst>
+          </p:nvPr>
+        </p:nvSpPr>
+        <p:spPr>
+          <a:xfrm>
+            <a:off x="0" y="0"/>
+            <a:ext cx="12192000" cy="6858000"/>
+          </a:xfrm>
+          <a:prstGeom prst="rect">
+            <a:avLst/>
+          </a:prstGeom>
+          <a:solidFill>
+            <a:schemeClr val="bg1"/>
+          </a:solidFill>
+          <a:ln w="12700" cap="flat" cmpd="sng" algn="ctr">
+            <a:noFill/>
+            <a:prstDash val="solid"/>
+            <a:miter lim="800000"/>
+          </a:ln>
+          <a:effectLst/>
+          <a:extLst>
+            <a:ext uri="{91240B29-F687-4F45-9708-019B960494DF}">
+              <a14:hiddenLine xmlns:a14="http://schemas.microsoft.com/office/drawing/2010/main" w="12700" cap="flat" cmpd="sng" algn="ctr">
+                <a:solidFill>
+                  <a:schemeClr val="accent1">
+                    <a:shade val="50000"/>
+                  </a:schemeClr>
+                </a:solidFill>
+                <a:prstDash val="solid"/>
+                <a:miter lim="800000"/>
+              </a14:hiddenLine>
+            </a:ext>
+          </a:extLst>
+        </p:spPr>
+        <p:style>
+          <a:lnRef idx="2">
+            <a:schemeClr val="accent1">
+              <a:shade val="50000"/>
+            </a:schemeClr>
+          </a:lnRef>
+          <a:fillRef idx="1">
+            <a:schemeClr val="accent1"/>
+          </a:fillRef>
+          <a:effectRef idx="0">
+            <a:schemeClr val="accent1"/>
+          </a:effectRef>
+          <a:fontRef idx="minor">
+            <a:schemeClr val="lt1"/>
+          </a:fontRef>
+        </p:style>
+        <p:txBody>
+          <a:bodyPr rtlCol="0" anchor="ctr"/>
+          <a:lstStyle/>
+          <a:p>
+            <a:pPr algn="ctr"/>
+            <a:endParaRPr lang="en-US"/>
+          </a:p>
+        </p:txBody>
+      </p:sp>
+      <p:sp>
+        <p:nvSpPr>
+          <p:cNvPr id="14" name="Rectangle 13">
+            <a:extLst>
+              <a:ext uri="{FF2B5EF4-FFF2-40B4-BE49-F238E27FC236}">
+                <a16:creationId xmlns:a16="http://schemas.microsoft.com/office/drawing/2014/main" id="{FDE44E55-00B5-49D5-9974-AC71F77CB1DA}"/>
+              </a:ext>
+              <a:ext uri="{C183D7F6-B498-43B3-948B-1728B52AA6E4}">
+                <adec:decorative xmlns:adec="http://schemas.microsoft.com/office/drawing/2017/decorative" val="1"/>
+              </a:ext>
+            </a:extLst>
+          </p:cNvPr>
+          <p:cNvSpPr>
+            <a:spLocks noGrp="1" noRot="1" noChangeAspect="1" noMove="1" noResize="1" noEditPoints="1" noAdjustHandles="1" noChangeArrowheads="1" noChangeShapeType="1" noTextEdit="1"/>
+          </p:cNvSpPr>
+          <p:nvPr>
+            <p:extLst>
+              <p:ext uri="{386F3935-93C4-4BCD-93E2-E3B085C9AB24}">
+                <p16:designElem xmlns:p16="http://schemas.microsoft.com/office/powerpoint/2015/main" val="1"/>
+              </p:ext>
+            </p:extLst>
+          </p:nvPr>
+        </p:nvSpPr>
+        <p:spPr>
+          <a:xfrm>
+            <a:off x="0" y="0"/>
+            <a:ext cx="12192000" cy="6858000"/>
+          </a:xfrm>
+          <a:prstGeom prst="rect">
+            <a:avLst/>
+          </a:prstGeom>
+          <a:solidFill>
+            <a:schemeClr val="tx2"/>
+          </a:solidFill>
+          <a:ln w="12700" cap="flat" cmpd="sng" algn="ctr">
+            <a:noFill/>
+            <a:prstDash val="solid"/>
+            <a:miter lim="800000"/>
+          </a:ln>
+          <a:effectLst/>
+        </p:spPr>
+        <p:style>
+          <a:lnRef idx="2">
+            <a:schemeClr val="accent1">
+              <a:shade val="50000"/>
+            </a:schemeClr>
+          </a:lnRef>
+          <a:fillRef idx="1">
+            <a:schemeClr val="accent1"/>
+          </a:fillRef>
+          <a:effectRef idx="0">
+            <a:schemeClr val="accent1"/>
+          </a:effectRef>
+          <a:fontRef idx="minor">
+            <a:schemeClr val="lt1"/>
+          </a:fontRef>
+        </p:style>
+        <p:txBody>
+          <a:bodyPr rtlCol="0" anchor="ctr"/>
+          <a:lstStyle/>
+          <a:p>
+            <a:pPr algn="ctr"/>
+            <a:endParaRPr lang="en-US"/>
+          </a:p>
+        </p:txBody>
+      </p:sp>
+      <p:sp>
+        <p:nvSpPr>
+          <p:cNvPr id="2" name="Title 1">
+            <a:extLst>
+              <a:ext uri="{FF2B5EF4-FFF2-40B4-BE49-F238E27FC236}">
+                <a16:creationId xmlns:a16="http://schemas.microsoft.com/office/drawing/2014/main" id="{E1D9FC92-A8DC-44F2-8220-9CFE677AF5CA}"/>
+              </a:ext>
+            </a:extLst>
+          </p:cNvPr>
+          <p:cNvSpPr>
+            <a:spLocks noGrp="1"/>
+          </p:cNvSpPr>
+          <p:nvPr>
+            <p:ph type="title"/>
+          </p:nvPr>
+        </p:nvSpPr>
+        <p:spPr>
+          <a:xfrm>
+            <a:off x="804830" y="985838"/>
+            <a:ext cx="9163922" cy="873441"/>
+          </a:xfrm>
+        </p:spPr>
+        <p:txBody>
+          <a:bodyPr vert="horz" lIns="91440" tIns="45720" rIns="91440" bIns="45720" rtlCol="0" anchor="t">
+            <a:normAutofit fontScale="90000"/>
+          </a:bodyPr>
+          <a:lstStyle/>
+          <a:p>
+            <a:pPr algn="ctr"/>
+            <a:r>
+              <a:rPr lang="en-US" sz="4000" dirty="0"/>
+              <a:t>Implementation Tools</a:t>
+            </a:r>
+            <a:br>
+              <a:rPr lang="en-US" dirty="0"/>
+            </a:br>
             <a:br>
               <a:rPr lang="en-US" sz="2200" dirty="0"/>
             </a:br>
@@ -5480,6 +7055,134 @@
           </a:fontRef>
         </p:style>
       </p:cxnSp>
+      <p:sp>
+        <p:nvSpPr>
+          <p:cNvPr id="9" name="Title 1">
+            <a:extLst>
+              <a:ext uri="{FF2B5EF4-FFF2-40B4-BE49-F238E27FC236}">
+                <a16:creationId xmlns:a16="http://schemas.microsoft.com/office/drawing/2014/main" id="{E926A317-BFBB-4737-BAFE-AC86A93FEB30}"/>
+              </a:ext>
+            </a:extLst>
+          </p:cNvPr>
+          <p:cNvSpPr txBox="1">
+            <a:spLocks/>
+          </p:cNvSpPr>
+          <p:nvPr/>
+        </p:nvSpPr>
+        <p:spPr>
+          <a:xfrm>
+            <a:off x="3114040" y="1859279"/>
+            <a:ext cx="5963920" cy="4142944"/>
+          </a:xfrm>
+          <a:prstGeom prst="rect">
+            <a:avLst/>
+          </a:prstGeom>
+        </p:spPr>
+        <p:txBody>
+          <a:bodyPr vert="horz" lIns="91440" tIns="45720" rIns="91440" bIns="45720" rtlCol="0" anchor="t">
+            <a:normAutofit/>
+          </a:bodyPr>
+          <a:lstStyle>
+            <a:lvl1pPr algn="l" defTabSz="914400" rtl="0" eaLnBrk="1" latinLnBrk="0" hangingPunct="1">
+              <a:lnSpc>
+                <a:spcPct val="85000"/>
+              </a:lnSpc>
+              <a:spcBef>
+                <a:spcPct val="0"/>
+              </a:spcBef>
+              <a:buNone/>
+              <a:defRPr sz="3600" kern="1200">
+                <a:solidFill>
+                  <a:schemeClr val="accent1"/>
+                </a:solidFill>
+                <a:latin typeface="+mj-lt"/>
+                <a:ea typeface="+mj-ea"/>
+                <a:cs typeface="+mj-cs"/>
+              </a:defRPr>
+            </a:lvl1pPr>
+          </a:lstStyle>
+          <a:p>
+            <a:r>
+              <a:rPr lang="en-US" sz="2100" dirty="0"/>
+              <a:t>1. Front-End Tools</a:t>
+            </a:r>
+          </a:p>
+          <a:p>
+            <a:r>
+              <a:rPr lang="en-US" sz="2100" dirty="0"/>
+              <a:t>	I . HTML</a:t>
+            </a:r>
+          </a:p>
+          <a:p>
+            <a:r>
+              <a:rPr lang="en-US" sz="2100" dirty="0"/>
+              <a:t>	II . CSS</a:t>
+            </a:r>
+          </a:p>
+          <a:p>
+            <a:r>
+              <a:rPr lang="en-US" sz="2100" dirty="0"/>
+              <a:t>	III . JavaScript</a:t>
+            </a:r>
+          </a:p>
+          <a:p>
+            <a:pPr algn="ctr"/>
+            <a:endParaRPr lang="en-US" sz="2100" dirty="0"/>
+          </a:p>
+          <a:p>
+            <a:r>
+              <a:rPr lang="en-US" sz="2100" dirty="0"/>
+              <a:t>2. Back-End Tools</a:t>
+            </a:r>
+          </a:p>
+          <a:p>
+            <a:r>
+              <a:rPr lang="en-US" sz="2100" dirty="0"/>
+              <a:t>	I . Php</a:t>
+            </a:r>
+          </a:p>
+          <a:p>
+            <a:r>
+              <a:rPr lang="en-US" sz="2100" dirty="0"/>
+              <a:t>3. Database</a:t>
+            </a:r>
+          </a:p>
+          <a:p>
+            <a:r>
+              <a:rPr lang="en-US" sz="2100" dirty="0"/>
+              <a:t>	I . MySQL</a:t>
+            </a:r>
+          </a:p>
+          <a:p>
+            <a:pPr algn="ctr"/>
+            <a:endParaRPr lang="en-US" sz="2100" dirty="0"/>
+          </a:p>
+          <a:p>
+            <a:r>
+              <a:rPr lang="en-US" sz="2100" dirty="0"/>
+              <a:t>4. Documentation Tools</a:t>
+            </a:r>
+          </a:p>
+          <a:p>
+            <a:r>
+              <a:rPr lang="en-US" sz="2100" dirty="0"/>
+              <a:t>	I . MS PowerPoint</a:t>
+            </a:r>
+          </a:p>
+          <a:p>
+            <a:r>
+              <a:rPr lang="en-US" sz="2100" dirty="0"/>
+              <a:t>	II . MS Word</a:t>
+            </a:r>
+          </a:p>
+          <a:p>
+            <a:r>
+              <a:rPr lang="en-US" sz="2100" dirty="0"/>
+              <a:t>	III . Draw.io</a:t>
+            </a:r>
+          </a:p>
+        </p:txBody>
+      </p:sp>
     </p:spTree>
     <p:extLst>
       <p:ext uri="{BB962C8B-B14F-4D97-AF65-F5344CB8AC3E}">
@@ -5496,7 +7199,7 @@
 </p:sld>
 </file>
 
-<file path=ppt/slides/slide13.xml><?xml version="1.0" encoding="utf-8"?>
+<file path=ppt/slides/slide16.xml><?xml version="1.0" encoding="utf-8"?>
 <p:sld xmlns:a="http://schemas.openxmlformats.org/drawingml/2006/main" xmlns:r="http://schemas.openxmlformats.org/officeDocument/2006/relationships" xmlns:p="http://schemas.openxmlformats.org/presentationml/2006/main">
   <p:cSld>
     <p:bg>
@@ -5794,6 +7497,7 @@
           </a:bodyPr>
           <a:lstStyle/>
           <a:p>
+            <a:pPr algn="ctr"/>
             <a:r>
               <a:rPr lang="en-US" sz="4000" dirty="0"/>
               <a:t>Challenges Faced</a:t>
@@ -5973,8 +7677,8 @@
         </p:nvSpPr>
         <p:spPr>
           <a:xfrm>
-            <a:off x="580713" y="1900516"/>
-            <a:ext cx="10905066" cy="2877671"/>
+            <a:off x="4282239" y="1885593"/>
+            <a:ext cx="5037767" cy="2877671"/>
           </a:xfrm>
           <a:prstGeom prst="rect">
             <a:avLst/>
@@ -6013,7 +7717,7 @@
             </a:pPr>
             <a:r>
               <a:rPr lang="en-US" sz="1600" dirty="0"/>
-              <a:t>XAMPP Server Crash</a:t>
+              <a:t>XAMPP Server Crash.</a:t>
             </a:r>
           </a:p>
           <a:p>
@@ -6026,7 +7730,7 @@
             </a:pPr>
             <a:r>
               <a:rPr lang="en-US" sz="1600" dirty="0"/>
-              <a:t>Limited Similar Systems for Research</a:t>
+              <a:t>Limited Similar Systems for Research.</a:t>
             </a:r>
           </a:p>
           <a:p>
@@ -6039,7 +7743,20 @@
             </a:pPr>
             <a:r>
               <a:rPr lang="en-US" sz="1600" dirty="0"/>
-              <a:t>Frequently Changing Ideas</a:t>
+              <a:t>Frequently Changing Ideas.</a:t>
+            </a:r>
+          </a:p>
+          <a:p>
+            <a:pPr marL="571500" indent="-571500">
+              <a:lnSpc>
+                <a:spcPct val="150000"/>
+              </a:lnSpc>
+              <a:buFont typeface="Arial" panose="020B0604020202020204" pitchFamily="34" charset="0"/>
+              <a:buChar char="•"/>
+            </a:pPr>
+            <a:r>
+              <a:rPr lang="en-US" sz="1600" dirty="0"/>
+              <a:t>Improper Planning For Databases.</a:t>
             </a:r>
           </a:p>
         </p:txBody>
@@ -6060,7 +7777,7 @@
 </p:sld>
 </file>
 
-<file path=ppt/slides/slide14.xml><?xml version="1.0" encoding="utf-8"?>
+<file path=ppt/slides/slide17.xml><?xml version="1.0" encoding="utf-8"?>
 <p:sld xmlns:a="http://schemas.openxmlformats.org/drawingml/2006/main" xmlns:r="http://schemas.openxmlformats.org/officeDocument/2006/relationships" xmlns:p="http://schemas.openxmlformats.org/presentationml/2006/main">
   <p:cSld>
     <p:bg>
@@ -6431,7 +8148,7 @@
 </p:sld>
 </file>
 
-<file path=ppt/slides/slide15.xml><?xml version="1.0" encoding="utf-8"?>
+<file path=ppt/slides/slide18.xml><?xml version="1.0" encoding="utf-8"?>
 <p:sld xmlns:a="http://schemas.openxmlformats.org/drawingml/2006/main" xmlns:r="http://schemas.openxmlformats.org/officeDocument/2006/relationships" xmlns:p="http://schemas.openxmlformats.org/presentationml/2006/main">
   <p:cSld>
     <p:bg>
@@ -7053,8 +8770,8 @@
         </p:nvSpPr>
         <p:spPr>
           <a:xfrm>
-            <a:off x="643467" y="826993"/>
-            <a:ext cx="10614410" cy="1459006"/>
+            <a:off x="643467" y="826992"/>
+            <a:ext cx="10614410" cy="2332767"/>
           </a:xfrm>
         </p:spPr>
         <p:txBody>
@@ -7063,7 +8780,7 @@
           </a:bodyPr>
           <a:lstStyle/>
           <a:p>
-            <a:pPr>
+            <a:pPr algn="ctr">
               <a:lnSpc>
                 <a:spcPct val="150000"/>
               </a:lnSpc>
@@ -7205,8 +8922,8 @@
         </p:nvSpPr>
         <p:spPr>
           <a:xfrm>
-            <a:off x="643467" y="1961065"/>
-            <a:ext cx="10392086" cy="1459006"/>
+            <a:off x="3965787" y="2123625"/>
+            <a:ext cx="6153573" cy="1459006"/>
           </a:xfrm>
           <a:prstGeom prst="rect">
             <a:avLst/>
@@ -7214,7 +8931,7 @@
         </p:spPr>
         <p:txBody>
           <a:bodyPr vert="horz" lIns="91440" tIns="45720" rIns="91440" bIns="45720" rtlCol="0" anchor="t">
-            <a:normAutofit fontScale="40000" lnSpcReduction="20000"/>
+            <a:normAutofit/>
           </a:bodyPr>
           <a:lstStyle>
             <a:lvl1pPr algn="l" defTabSz="914400" rtl="0" eaLnBrk="1" latinLnBrk="0" hangingPunct="1">
@@ -7236,24 +8953,55 @@
             </a:lvl1pPr>
           </a:lstStyle>
           <a:p>
-            <a:pPr>
+            <a:pPr marL="285750" indent="-285750">
               <a:lnSpc>
                 <a:spcPct val="170000"/>
               </a:lnSpc>
+              <a:buFont typeface="Arial" panose="020B0604020202020204" pitchFamily="34" charset="0"/>
+              <a:buChar char="•"/>
             </a:pPr>
             <a:r>
-              <a:rPr lang="en-US" dirty="0">
+              <a:rPr lang="en-US" sz="1600" dirty="0">
                 <a:solidFill>
                   <a:srgbClr val="ADBAC7"/>
                 </a:solidFill>
               </a:rPr>
-              <a:t>The “Daily Activities &amp; Personal Finance Tracker” is a system which helps to view and analyze the daily activities and manage incomes/expenses of an individual. It serves as a valuable tool in this regard, helping individuals to plan, monitor, and optimize their daily tasks while also keeping a close eye on their financial health. In short, this system is designed to record and analyze time and money of a user.</a:t>
-            </a:r>
-            <a:endParaRPr lang="en-US" sz="1600" dirty="0">
-              <a:solidFill>
-                <a:srgbClr val="ADBAC7"/>
-              </a:solidFill>
-            </a:endParaRPr>
+              <a:t>Daily Activities and personal Finance Tracker.</a:t>
+            </a:r>
+          </a:p>
+          <a:p>
+            <a:pPr marL="285750" indent="-285750">
+              <a:lnSpc>
+                <a:spcPct val="170000"/>
+              </a:lnSpc>
+              <a:buFont typeface="Arial" panose="020B0604020202020204" pitchFamily="34" charset="0"/>
+              <a:buChar char="•"/>
+            </a:pPr>
+            <a:r>
+              <a:rPr lang="en-US" sz="1600" dirty="0">
+                <a:solidFill>
+                  <a:srgbClr val="ADBAC7"/>
+                </a:solidFill>
+              </a:rPr>
+              <a:t>It Helps to Track Daily Tasks.</a:t>
+            </a:r>
+          </a:p>
+          <a:p>
+            <a:pPr marL="285750" indent="-285750">
+              <a:lnSpc>
+                <a:spcPct val="170000"/>
+              </a:lnSpc>
+              <a:buFont typeface="Arial" panose="020B0604020202020204" pitchFamily="34" charset="0"/>
+              <a:buChar char="•"/>
+            </a:pPr>
+            <a:r>
+              <a:rPr lang="en-US" sz="1600" dirty="0">
+                <a:solidFill>
+                  <a:srgbClr val="ADBAC7"/>
+                </a:solidFill>
+              </a:rPr>
+              <a:t>It Helps to Track Personal Finances.</a:t>
+            </a:r>
           </a:p>
         </p:txBody>
       </p:sp>
@@ -7461,8 +9209,8 @@
         </p:nvSpPr>
         <p:spPr>
           <a:xfrm>
-            <a:off x="643467" y="1462570"/>
-            <a:ext cx="10905066" cy="849406"/>
+            <a:off x="643467" y="1358355"/>
+            <a:ext cx="8642773" cy="849406"/>
           </a:xfrm>
         </p:spPr>
         <p:txBody>
@@ -7497,8 +9245,8 @@
         </p:nvSpPr>
         <p:spPr>
           <a:xfrm>
-            <a:off x="1138518" y="2311976"/>
-            <a:ext cx="8606118" cy="2923412"/>
+            <a:off x="3200998" y="1944500"/>
+            <a:ext cx="7243482" cy="3540184"/>
           </a:xfrm>
         </p:spPr>
         <p:txBody>
@@ -7515,7 +9263,7 @@
               <a:buChar char="Ø"/>
             </a:pPr>
             <a:r>
-              <a:rPr lang="en-US" sz="1400" dirty="0">
+              <a:rPr lang="en-US" sz="1600" dirty="0">
                 <a:solidFill>
                   <a:schemeClr val="accent1"/>
                 </a:solidFill>
@@ -7531,7 +9279,7 @@
               </a:lnSpc>
             </a:pPr>
             <a:r>
-              <a:rPr lang="en-US" sz="1400" dirty="0">
+              <a:rPr lang="en-US" sz="1600" dirty="0">
                 <a:solidFill>
                   <a:schemeClr val="accent1"/>
                 </a:solidFill>
@@ -7547,7 +9295,7 @@
               </a:lnSpc>
             </a:pPr>
             <a:r>
-              <a:rPr lang="en-US" sz="1400" dirty="0">
+              <a:rPr lang="en-US" sz="1600" dirty="0">
                 <a:solidFill>
                   <a:schemeClr val="accent1"/>
                 </a:solidFill>
@@ -7565,7 +9313,7 @@
               <a:buChar char="Ø"/>
             </a:pPr>
             <a:r>
-              <a:rPr lang="en-US" sz="1400" dirty="0">
+              <a:rPr lang="en-US" sz="1600" dirty="0">
                 <a:solidFill>
                   <a:schemeClr val="accent1"/>
                 </a:solidFill>
@@ -7581,13 +9329,13 @@
               </a:lnSpc>
             </a:pPr>
             <a:r>
-              <a:rPr lang="en-US" sz="1400" dirty="0">
+              <a:rPr lang="en-US" sz="1600" dirty="0">
                 <a:solidFill>
                   <a:schemeClr val="accent1"/>
                 </a:solidFill>
                 <a:latin typeface="+mj-lt"/>
               </a:rPr>
-              <a:t>	While spending or managing money, many people don’t realize their overspending in certain 	occasional outflows.</a:t>
+              <a:t>	While spending or managing money, many people don’t realize their overspending in certain occasional outflows.</a:t>
             </a:r>
           </a:p>
           <a:p>
@@ -7916,7 +9664,7 @@
         <p:spPr>
           <a:xfrm>
             <a:off x="643468" y="1393782"/>
-            <a:ext cx="10905066" cy="800099"/>
+            <a:ext cx="9526692" cy="800099"/>
           </a:xfrm>
         </p:spPr>
         <p:txBody>
@@ -7951,8 +9699,8 @@
         </p:nvSpPr>
         <p:spPr>
           <a:xfrm>
-            <a:off x="977154" y="2072962"/>
-            <a:ext cx="8952664" cy="1728074"/>
+            <a:off x="2551954" y="2193881"/>
+            <a:ext cx="7333726" cy="1728074"/>
           </a:xfrm>
         </p:spPr>
         <p:txBody>
@@ -7967,7 +9715,7 @@
               </a:lnSpc>
             </a:pPr>
             <a:r>
-              <a:rPr lang="en-US" sz="1400" dirty="0">
+              <a:rPr lang="en-US" sz="1600" dirty="0">
                 <a:solidFill>
                   <a:schemeClr val="accent1"/>
                 </a:solidFill>
@@ -7976,7 +9724,7 @@
               <a:t>The objectives of “Daily Activities &amp; Personal Finance Tracker” are:</a:t>
             </a:r>
             <a:br>
-              <a:rPr lang="en-US" sz="1400" dirty="0">
+              <a:rPr lang="en-US" sz="1600" dirty="0">
                 <a:solidFill>
                   <a:schemeClr val="accent1"/>
                 </a:solidFill>
@@ -7984,7 +9732,7 @@
               </a:rPr>
             </a:br>
             <a:r>
-              <a:rPr lang="en-US" sz="1400" dirty="0">
+              <a:rPr lang="en-US" sz="1600" dirty="0">
                 <a:solidFill>
                   <a:schemeClr val="accent1"/>
                 </a:solidFill>
@@ -7993,7 +9741,7 @@
               <a:t>➢ To provide users with a comprehensive view and tracking system for their daily activities and personal      finance-related data.</a:t>
             </a:r>
             <a:br>
-              <a:rPr lang="en-US" sz="1400" dirty="0">
+              <a:rPr lang="en-US" sz="1600" dirty="0">
                 <a:solidFill>
                   <a:schemeClr val="accent1"/>
                 </a:solidFill>
@@ -8001,7 +9749,7 @@
               </a:rPr>
             </a:br>
             <a:r>
-              <a:rPr lang="en-US" sz="1400" dirty="0">
+              <a:rPr lang="en-US" sz="1600" dirty="0">
                 <a:solidFill>
                   <a:schemeClr val="accent1"/>
                 </a:solidFill>
@@ -9278,17 +11026,17 @@
         </p:nvSpPr>
         <p:spPr>
           <a:xfrm>
-            <a:off x="643467" y="548304"/>
-            <a:ext cx="10999893" cy="5735172"/>
+            <a:off x="643467" y="868342"/>
+            <a:ext cx="10999893" cy="1463373"/>
           </a:xfrm>
         </p:spPr>
         <p:txBody>
           <a:bodyPr vert="horz" lIns="91440" tIns="45720" rIns="91440" bIns="45720" rtlCol="0" anchor="t">
-            <a:normAutofit/>
+            <a:normAutofit fontScale="90000"/>
           </a:bodyPr>
           <a:lstStyle/>
           <a:p>
-            <a:pPr>
+            <a:pPr algn="ctr">
               <a:lnSpc>
                 <a:spcPct val="200000"/>
               </a:lnSpc>
@@ -9300,31 +11048,6 @@
             <a:br>
               <a:rPr lang="en-US" sz="1600" dirty="0"/>
             </a:br>
-            <a:r>
-              <a:rPr lang="en-US" sz="1600" dirty="0"/>
-              <a:t>1. Multi-user.</a:t>
-            </a:r>
-            <a:br>
-              <a:rPr lang="en-US" sz="1600" dirty="0"/>
-            </a:br>
-            <a:r>
-              <a:rPr lang="en-US" sz="1600" dirty="0"/>
-              <a:t>2. Tasks Summary/Conclusion.</a:t>
-            </a:r>
-            <a:br>
-              <a:rPr lang="en-US" sz="1600" dirty="0"/>
-            </a:br>
-            <a:r>
-              <a:rPr lang="en-US" sz="1600" dirty="0"/>
-              <a:t>3. Income/Expenses comparison.</a:t>
-            </a:r>
-            <a:br>
-              <a:rPr lang="en-US" sz="1600" dirty="0"/>
-            </a:br>
-            <a:r>
-              <a:rPr lang="en-US" sz="1600" dirty="0"/>
-              <a:t>4. Budget Allocation For Expenses.</a:t>
-            </a:r>
             <a:br>
               <a:rPr lang="en-US" sz="1600" dirty="0"/>
             </a:br>
@@ -9442,6 +11165,98 @@
           </a:fontRef>
         </p:style>
       </p:cxnSp>
+      <p:sp>
+        <p:nvSpPr>
+          <p:cNvPr id="9" name="Title 1">
+            <a:extLst>
+              <a:ext uri="{FF2B5EF4-FFF2-40B4-BE49-F238E27FC236}">
+                <a16:creationId xmlns:a16="http://schemas.microsoft.com/office/drawing/2014/main" id="{032DC512-059F-470E-BF7C-B14128A1CB12}"/>
+              </a:ext>
+            </a:extLst>
+          </p:cNvPr>
+          <p:cNvSpPr txBox="1">
+            <a:spLocks/>
+          </p:cNvSpPr>
+          <p:nvPr/>
+        </p:nvSpPr>
+        <p:spPr>
+          <a:xfrm>
+            <a:off x="3975947" y="2148333"/>
+            <a:ext cx="6559973" cy="2286505"/>
+          </a:xfrm>
+          <a:prstGeom prst="rect">
+            <a:avLst/>
+          </a:prstGeom>
+        </p:spPr>
+        <p:txBody>
+          <a:bodyPr vert="horz" lIns="91440" tIns="45720" rIns="91440" bIns="45720" rtlCol="0" anchor="t">
+            <a:noAutofit/>
+          </a:bodyPr>
+          <a:lstStyle>
+            <a:lvl1pPr algn="l" defTabSz="914400" rtl="0" eaLnBrk="1" latinLnBrk="0" hangingPunct="1">
+              <a:lnSpc>
+                <a:spcPct val="85000"/>
+              </a:lnSpc>
+              <a:spcBef>
+                <a:spcPct val="0"/>
+              </a:spcBef>
+              <a:buNone/>
+              <a:defRPr sz="3600" kern="1200">
+                <a:solidFill>
+                  <a:schemeClr val="accent1"/>
+                </a:solidFill>
+                <a:latin typeface="+mj-lt"/>
+                <a:ea typeface="+mj-ea"/>
+                <a:cs typeface="+mj-cs"/>
+              </a:defRPr>
+            </a:lvl1pPr>
+          </a:lstStyle>
+          <a:p>
+            <a:pPr>
+              <a:lnSpc>
+                <a:spcPct val="200000"/>
+              </a:lnSpc>
+            </a:pPr>
+            <a:r>
+              <a:rPr lang="en-US" sz="1600" dirty="0"/>
+              <a:t>1. Multi-user.</a:t>
+            </a:r>
+          </a:p>
+          <a:p>
+            <a:pPr>
+              <a:lnSpc>
+                <a:spcPct val="200000"/>
+              </a:lnSpc>
+            </a:pPr>
+            <a:r>
+              <a:rPr lang="en-US" sz="1600" dirty="0"/>
+              <a:t>2. Tasks Summary/Conclusion.</a:t>
+            </a:r>
+          </a:p>
+          <a:p>
+            <a:pPr>
+              <a:lnSpc>
+                <a:spcPct val="200000"/>
+              </a:lnSpc>
+            </a:pPr>
+            <a:r>
+              <a:rPr lang="en-US" sz="1600" dirty="0"/>
+              <a:t>3. Income/Expenses comparison.</a:t>
+            </a:r>
+          </a:p>
+          <a:p>
+            <a:pPr>
+              <a:lnSpc>
+                <a:spcPct val="200000"/>
+              </a:lnSpc>
+            </a:pPr>
+            <a:r>
+              <a:rPr lang="en-US" sz="1600" dirty="0"/>
+              <a:t>4. Budget Allocation For Expenses.</a:t>
+            </a:r>
+          </a:p>
+        </p:txBody>
+      </p:sp>
     </p:spTree>
     <p:extLst>
       <p:ext uri="{BB962C8B-B14F-4D97-AF65-F5344CB8AC3E}">
@@ -9483,9 +11298,109 @@
           <a:chExt cx="0" cy="0"/>
         </a:xfrm>
       </p:grpSpPr>
-      <p:sp>
-        <p:nvSpPr>
-          <p:cNvPr id="8" name="Rectangle 7">
+      <p:cxnSp>
+        <p:nvCxnSpPr>
+          <p:cNvPr id="8" name="Straight Connector 7">
+            <a:extLst>
+              <a:ext uri="{FF2B5EF4-FFF2-40B4-BE49-F238E27FC236}">
+                <a16:creationId xmlns:a16="http://schemas.microsoft.com/office/drawing/2014/main" id="{462919E4-C488-4107-9EF1-66152F848008}"/>
+              </a:ext>
+              <a:ext uri="{C183D7F6-B498-43B3-948B-1728B52AA6E4}">
+                <adec:decorative xmlns:adec="http://schemas.microsoft.com/office/drawing/2017/decorative" val="1"/>
+              </a:ext>
+            </a:extLst>
+          </p:cNvPr>
+          <p:cNvCxnSpPr>
+            <a:cxnSpLocks noGrp="1" noRot="1" noChangeAspect="1" noMove="1" noResize="1" noEditPoints="1" noAdjustHandles="1" noChangeArrowheads="1" noChangeShapeType="1"/>
+          </p:cNvCxnSpPr>
+          <p:nvPr>
+            <p:extLst>
+              <p:ext uri="{386F3935-93C4-4BCD-93E2-E3B085C9AB24}">
+                <p16:designElem xmlns:p16="http://schemas.microsoft.com/office/powerpoint/2015/main" val="1"/>
+              </p:ext>
+            </p:extLst>
+          </p:nvPr>
+        </p:nvCxnSpPr>
+        <p:spPr>
+          <a:xfrm>
+            <a:off x="643467" y="678719"/>
+            <a:ext cx="10905066" cy="0"/>
+          </a:xfrm>
+          <a:prstGeom prst="line">
+            <a:avLst/>
+          </a:prstGeom>
+          <a:ln w="38100"/>
+        </p:spPr>
+        <p:style>
+          <a:lnRef idx="1">
+            <a:schemeClr val="accent1"/>
+          </a:lnRef>
+          <a:fillRef idx="0">
+            <a:schemeClr val="accent1"/>
+          </a:fillRef>
+          <a:effectRef idx="0">
+            <a:schemeClr val="accent1"/>
+          </a:effectRef>
+          <a:fontRef idx="minor">
+            <a:schemeClr val="tx1"/>
+          </a:fontRef>
+        </p:style>
+      </p:cxnSp>
+      <p:cxnSp>
+        <p:nvCxnSpPr>
+          <p:cNvPr id="10" name="Straight Connector 9">
+            <a:extLst>
+              <a:ext uri="{FF2B5EF4-FFF2-40B4-BE49-F238E27FC236}">
+                <a16:creationId xmlns:a16="http://schemas.microsoft.com/office/drawing/2014/main" id="{0BF79732-4088-424C-A653-4534E4389443}"/>
+              </a:ext>
+              <a:ext uri="{C183D7F6-B498-43B3-948B-1728B52AA6E4}">
+                <adec:decorative xmlns:adec="http://schemas.microsoft.com/office/drawing/2017/decorative" val="1"/>
+              </a:ext>
+            </a:extLst>
+          </p:cNvPr>
+          <p:cNvCxnSpPr>
+            <a:cxnSpLocks noGrp="1" noRot="1" noChangeAspect="1" noMove="1" noResize="1" noEditPoints="1" noAdjustHandles="1" noChangeArrowheads="1" noChangeShapeType="1"/>
+          </p:cNvCxnSpPr>
+          <p:nvPr>
+            <p:extLst>
+              <p:ext uri="{386F3935-93C4-4BCD-93E2-E3B085C9AB24}">
+                <p16:designElem xmlns:p16="http://schemas.microsoft.com/office/powerpoint/2015/main" val="1"/>
+              </p:ext>
+            </p:extLst>
+          </p:nvPr>
+        </p:nvCxnSpPr>
+        <p:spPr>
+          <a:xfrm>
+            <a:off x="643467" y="6309695"/>
+            <a:ext cx="10905066" cy="0"/>
+          </a:xfrm>
+          <a:prstGeom prst="line">
+            <a:avLst/>
+          </a:prstGeom>
+          <a:ln w="6350">
+            <a:solidFill>
+              <a:schemeClr val="tx1"/>
+            </a:solidFill>
+          </a:ln>
+        </p:spPr>
+        <p:style>
+          <a:lnRef idx="1">
+            <a:schemeClr val="accent1"/>
+          </a:lnRef>
+          <a:fillRef idx="0">
+            <a:schemeClr val="accent1"/>
+          </a:fillRef>
+          <a:effectRef idx="0">
+            <a:schemeClr val="accent1"/>
+          </a:effectRef>
+          <a:fontRef idx="minor">
+            <a:schemeClr val="tx1"/>
+          </a:fontRef>
+        </p:style>
+      </p:cxnSp>
+      <p:sp>
+        <p:nvSpPr>
+          <p:cNvPr id="12" name="Rectangle 11">
             <a:extLst>
               <a:ext uri="{FF2B5EF4-FFF2-40B4-BE49-F238E27FC236}">
                 <a16:creationId xmlns:a16="http://schemas.microsoft.com/office/drawing/2014/main" id="{D6D60CFD-959C-4058-AAE1-8FBF267457FF}"/>
@@ -9564,7 +11479,7 @@
       </p:sp>
       <p:sp>
         <p:nvSpPr>
-          <p:cNvPr id="10" name="Rectangle 9">
+          <p:cNvPr id="14" name="Rectangle 13">
             <a:extLst>
               <a:ext uri="{FF2B5EF4-FFF2-40B4-BE49-F238E27FC236}">
                 <a16:creationId xmlns:a16="http://schemas.microsoft.com/office/drawing/2014/main" id="{FDE44E55-00B5-49D5-9974-AC71F77CB1DA}"/>
@@ -9633,7 +11548,7 @@
           <p:cNvPr id="2" name="Title 1">
             <a:extLst>
               <a:ext uri="{FF2B5EF4-FFF2-40B4-BE49-F238E27FC236}">
-                <a16:creationId xmlns:a16="http://schemas.microsoft.com/office/drawing/2014/main" id="{23E6CCE9-F58B-4DCB-8B0A-67A9ED8A0A33}"/>
+                <a16:creationId xmlns:a16="http://schemas.microsoft.com/office/drawing/2014/main" id="{E42E7103-D2D0-496B-B7EC-CDA288BA12EF}"/>
               </a:ext>
             </a:extLst>
           </p:cNvPr>
@@ -9641,31 +11556,49 @@
             <a:spLocks noGrp="1"/>
           </p:cNvSpPr>
           <p:nvPr>
-            <p:ph type="ctrTitle"/>
-          </p:nvPr>
-        </p:nvSpPr>
-        <p:spPr>
-          <a:xfrm>
-            <a:off x="643467" y="1474359"/>
-            <a:ext cx="10905066" cy="921123"/>
-          </a:xfrm>
-        </p:spPr>
-        <p:txBody>
-          <a:bodyPr>
-            <a:normAutofit/>
+            <p:ph type="title"/>
+          </p:nvPr>
+        </p:nvSpPr>
+        <p:spPr>
+          <a:xfrm>
+            <a:off x="1024468" y="2669688"/>
+            <a:ext cx="4014258" cy="1518621"/>
+          </a:xfrm>
+        </p:spPr>
+        <p:txBody>
+          <a:bodyPr vert="horz" lIns="91440" tIns="45720" rIns="91440" bIns="45720" rtlCol="0" anchor="t">
+            <a:normAutofit fontScale="90000"/>
           </a:bodyPr>
           <a:lstStyle/>
           <a:p>
-            <a:r>
-              <a:rPr lang="en-US" sz="3600" dirty="0"/>
-              <a:t>Non-Functional Requirements</a:t>
-            </a:r>
+            <a:pPr>
+              <a:lnSpc>
+                <a:spcPct val="200000"/>
+              </a:lnSpc>
+            </a:pPr>
+            <a:r>
+              <a:rPr lang="en-US" dirty="0"/>
+              <a:t>Use Case Diagram</a:t>
+            </a:r>
+            <a:br>
+              <a:rPr lang="en-US" sz="1600" dirty="0"/>
+            </a:br>
+            <a:br>
+              <a:rPr lang="en-US" sz="1600" dirty="0"/>
+            </a:br>
+            <a:br>
+              <a:rPr lang="en-US" sz="1600" dirty="0"/>
+            </a:br>
+            <a:br>
+              <a:rPr lang="en-US" sz="1600" dirty="0"/>
+            </a:br>
+            <a:endParaRPr lang="en-US" sz="1600" dirty="0"/>
           </a:p>
         </p:txBody>
       </p:sp>
       <p:cxnSp>
         <p:nvCxnSpPr>
-          <p:cNvPr id="12" name="Straight Connector 11">
+          <p:cNvPr id="16" name="Straight Connector 15">
             <a:extLst>
               <a:ext uri="{FF2B5EF4-FFF2-40B4-BE49-F238E27FC236}">
                 <a16:creationId xmlns:a16="http://schemas.microsoft.com/office/drawing/2014/main" id="{8B188FD5-419D-4B92-B991-36B280A6B407}"/>
@@ -9717,7 +11650,7 @@
       </p:cxnSp>
       <p:cxnSp>
         <p:nvCxnSpPr>
-          <p:cNvPr id="14" name="Straight Connector 13">
+          <p:cNvPr id="18" name="Straight Connector 17">
             <a:extLst>
               <a:ext uri="{FF2B5EF4-FFF2-40B4-BE49-F238E27FC236}">
                 <a16:creationId xmlns:a16="http://schemas.microsoft.com/office/drawing/2014/main" id="{A6C4509E-372A-4887-8258-D29A53EFD7E1}"/>
@@ -9767,106 +11700,46 @@
           </a:fontRef>
         </p:style>
       </p:cxnSp>
-      <p:sp>
-        <p:nvSpPr>
-          <p:cNvPr id="9" name="Title 1">
-            <a:extLst>
-              <a:ext uri="{FF2B5EF4-FFF2-40B4-BE49-F238E27FC236}">
-                <a16:creationId xmlns:a16="http://schemas.microsoft.com/office/drawing/2014/main" id="{FA78634D-3F08-459E-8D9D-8B2E1CFC242D}"/>
-              </a:ext>
-            </a:extLst>
-          </p:cNvPr>
-          <p:cNvSpPr txBox="1">
-            <a:spLocks/>
-          </p:cNvSpPr>
+      <p:pic>
+        <p:nvPicPr>
+          <p:cNvPr id="5" name="Picture 4" descr="A diagram of a user flow&#10;&#10;Description automatically generated">
+            <a:extLst>
+              <a:ext uri="{FF2B5EF4-FFF2-40B4-BE49-F238E27FC236}">
+                <a16:creationId xmlns:a16="http://schemas.microsoft.com/office/drawing/2014/main" id="{7343B331-A672-4CCC-B649-20151DDD1D5D}"/>
+              </a:ext>
+            </a:extLst>
+          </p:cNvPr>
+          <p:cNvPicPr>
+            <a:picLocks noChangeAspect="1"/>
+          </p:cNvPicPr>
           <p:nvPr/>
-        </p:nvSpPr>
-        <p:spPr>
-          <a:xfrm>
-            <a:off x="706220" y="2216188"/>
-            <a:ext cx="5739404" cy="2575109"/>
+        </p:nvPicPr>
+        <p:blipFill>
+          <a:blip r:embed="rId2">
+            <a:extLst>
+              <a:ext uri="{28A0092B-C50C-407E-A947-70E740481C1C}">
+                <a14:useLocalDpi xmlns:a14="http://schemas.microsoft.com/office/drawing/2010/main" val="0"/>
+              </a:ext>
+            </a:extLst>
+          </a:blip>
+          <a:stretch>
+            <a:fillRect/>
+          </a:stretch>
+        </p:blipFill>
+        <p:spPr>
+          <a:xfrm>
+            <a:off x="6096000" y="965091"/>
+            <a:ext cx="4135120" cy="5057775"/>
           </a:xfrm>
           <a:prstGeom prst="rect">
             <a:avLst/>
           </a:prstGeom>
         </p:spPr>
-        <p:txBody>
-          <a:bodyPr vert="horz" lIns="91440" tIns="45720" rIns="91440" bIns="45720" rtlCol="0" anchor="t">
-            <a:normAutofit/>
-          </a:bodyPr>
-          <a:lstStyle>
-            <a:lvl1pPr algn="l" defTabSz="914400" rtl="0" eaLnBrk="1" latinLnBrk="0" hangingPunct="1">
-              <a:lnSpc>
-                <a:spcPct val="85000"/>
-              </a:lnSpc>
-              <a:spcBef>
-                <a:spcPct val="0"/>
-              </a:spcBef>
-              <a:buNone/>
-              <a:defRPr sz="4400" kern="1200">
-                <a:solidFill>
-                  <a:schemeClr val="accent1"/>
-                </a:solidFill>
-                <a:latin typeface="+mj-lt"/>
-                <a:ea typeface="+mj-ea"/>
-                <a:cs typeface="+mj-cs"/>
-              </a:defRPr>
-            </a:lvl1pPr>
-          </a:lstStyle>
-          <a:p>
-            <a:pPr marL="342900" indent="-342900">
-              <a:lnSpc>
-                <a:spcPct val="200000"/>
-              </a:lnSpc>
-              <a:buAutoNum type="arabicPeriod"/>
-            </a:pPr>
-            <a:r>
-              <a:rPr lang="en-US" sz="1600" dirty="0"/>
-              <a:t>Availability</a:t>
-            </a:r>
-          </a:p>
-          <a:p>
-            <a:pPr marL="342900" indent="-342900">
-              <a:lnSpc>
-                <a:spcPct val="200000"/>
-              </a:lnSpc>
-              <a:buAutoNum type="arabicPeriod"/>
-            </a:pPr>
-            <a:r>
-              <a:rPr lang="en-US" sz="1600" dirty="0"/>
-              <a:t>Flexibility</a:t>
-            </a:r>
-          </a:p>
-          <a:p>
-            <a:pPr marL="342900" indent="-342900">
-              <a:lnSpc>
-                <a:spcPct val="200000"/>
-              </a:lnSpc>
-              <a:buAutoNum type="arabicPeriod"/>
-            </a:pPr>
-            <a:r>
-              <a:rPr lang="en-US" sz="1600" dirty="0"/>
-              <a:t>Security</a:t>
-            </a:r>
-          </a:p>
-          <a:p>
-            <a:pPr marL="342900" indent="-342900">
-              <a:lnSpc>
-                <a:spcPct val="200000"/>
-              </a:lnSpc>
-              <a:buAutoNum type="arabicPeriod"/>
-            </a:pPr>
-            <a:r>
-              <a:rPr lang="en-US" sz="1600" dirty="0"/>
-              <a:t>Reliability</a:t>
-            </a:r>
-          </a:p>
-        </p:txBody>
-      </p:sp>
+      </p:pic>
     </p:spTree>
     <p:extLst>
       <p:ext uri="{BB962C8B-B14F-4D97-AF65-F5344CB8AC3E}">
-        <p14:creationId xmlns:p14="http://schemas.microsoft.com/office/powerpoint/2010/main" val="2018020805"/>
+        <p14:creationId xmlns:p14="http://schemas.microsoft.com/office/powerpoint/2010/main" val="1740222503"/>
       </p:ext>
     </p:extLst>
   </p:cSld>
@@ -10080,7 +11953,7 @@
             <a:pPr algn="ctr"/>
             <a:r>
               <a:rPr lang="en-US" sz="3600" dirty="0"/>
-              <a:t>Gantt Chart</a:t>
+              <a:t>Non-Functional Requirements</a:t>
             </a:r>
           </a:p>
         </p:txBody>
@@ -10189,46 +12062,118 @@
           </a:fontRef>
         </p:style>
       </p:cxnSp>
-      <p:pic>
-        <p:nvPicPr>
-          <p:cNvPr id="4" name="Picture 3" descr="A graph of a project&#10;&#10;Description automatically generated with medium confidence">
-            <a:extLst>
-              <a:ext uri="{FF2B5EF4-FFF2-40B4-BE49-F238E27FC236}">
-                <a16:creationId xmlns:a16="http://schemas.microsoft.com/office/drawing/2014/main" id="{13B9D93C-2AF4-48B0-9447-8871416B282A}"/>
-              </a:ext>
-            </a:extLst>
-          </p:cNvPr>
-          <p:cNvPicPr>
-            <a:picLocks noChangeAspect="1"/>
-          </p:cNvPicPr>
+      <p:sp>
+        <p:nvSpPr>
+          <p:cNvPr id="9" name="Title 1">
+            <a:extLst>
+              <a:ext uri="{FF2B5EF4-FFF2-40B4-BE49-F238E27FC236}">
+                <a16:creationId xmlns:a16="http://schemas.microsoft.com/office/drawing/2014/main" id="{FA78634D-3F08-459E-8D9D-8B2E1CFC242D}"/>
+              </a:ext>
+            </a:extLst>
+          </p:cNvPr>
+          <p:cNvSpPr txBox="1">
+            <a:spLocks/>
+          </p:cNvSpPr>
           <p:nvPr/>
-        </p:nvPicPr>
-        <p:blipFill>
-          <a:blip r:embed="rId2">
-            <a:extLst>
-              <a:ext uri="{28A0092B-C50C-407E-A947-70E740481C1C}">
-                <a14:useLocalDpi xmlns:a14="http://schemas.microsoft.com/office/drawing/2010/main" val="0"/>
-              </a:ext>
-            </a:extLst>
-          </a:blip>
-          <a:stretch>
-            <a:fillRect/>
-          </a:stretch>
-        </p:blipFill>
-        <p:spPr>
-          <a:xfrm>
-            <a:off x="3249448" y="2395482"/>
-            <a:ext cx="5944115" cy="3101609"/>
+        </p:nvSpPr>
+        <p:spPr>
+          <a:xfrm>
+            <a:off x="2971900" y="2141445"/>
+            <a:ext cx="5739404" cy="2575109"/>
           </a:xfrm>
           <a:prstGeom prst="rect">
             <a:avLst/>
           </a:prstGeom>
         </p:spPr>
-      </p:pic>
+        <p:txBody>
+          <a:bodyPr vert="horz" lIns="91440" tIns="45720" rIns="91440" bIns="45720" rtlCol="0" anchor="t">
+            <a:normAutofit/>
+          </a:bodyPr>
+          <a:lstStyle>
+            <a:lvl1pPr algn="l" defTabSz="914400" rtl="0" eaLnBrk="1" latinLnBrk="0" hangingPunct="1">
+              <a:lnSpc>
+                <a:spcPct val="85000"/>
+              </a:lnSpc>
+              <a:spcBef>
+                <a:spcPct val="0"/>
+              </a:spcBef>
+              <a:buNone/>
+              <a:defRPr sz="4400" kern="1200">
+                <a:solidFill>
+                  <a:schemeClr val="accent1"/>
+                </a:solidFill>
+                <a:latin typeface="+mj-lt"/>
+                <a:ea typeface="+mj-ea"/>
+                <a:cs typeface="+mj-cs"/>
+              </a:defRPr>
+            </a:lvl1pPr>
+          </a:lstStyle>
+          <a:p>
+            <a:pPr marL="342900" indent="-342900">
+              <a:lnSpc>
+                <a:spcPct val="200000"/>
+              </a:lnSpc>
+              <a:buAutoNum type="arabicPeriod"/>
+            </a:pPr>
+            <a:r>
+              <a:rPr lang="en-US" sz="1600" dirty="0"/>
+              <a:t>Availability</a:t>
+            </a:r>
+          </a:p>
+          <a:p>
+            <a:pPr marL="342900" indent="-342900">
+              <a:lnSpc>
+                <a:spcPct val="200000"/>
+              </a:lnSpc>
+              <a:buAutoNum type="arabicPeriod"/>
+            </a:pPr>
+            <a:r>
+              <a:rPr lang="en-US" sz="1600" dirty="0"/>
+              <a:t>Flexibility</a:t>
+            </a:r>
+          </a:p>
+          <a:p>
+            <a:pPr marL="342900" indent="-342900">
+              <a:lnSpc>
+                <a:spcPct val="200000"/>
+              </a:lnSpc>
+              <a:buAutoNum type="arabicPeriod"/>
+            </a:pPr>
+            <a:r>
+              <a:rPr lang="en-US" sz="1600" dirty="0"/>
+              <a:t>Security</a:t>
+            </a:r>
+          </a:p>
+          <a:p>
+            <a:pPr marL="342900" indent="-342900">
+              <a:lnSpc>
+                <a:spcPct val="200000"/>
+              </a:lnSpc>
+              <a:buAutoNum type="arabicPeriod"/>
+            </a:pPr>
+            <a:r>
+              <a:rPr lang="en-US" sz="1600" dirty="0"/>
+              <a:t>Reliability</a:t>
+            </a:r>
+          </a:p>
+          <a:p>
+            <a:pPr marL="342900" indent="-342900">
+              <a:lnSpc>
+                <a:spcPct val="200000"/>
+              </a:lnSpc>
+              <a:buAutoNum type="arabicPeriod"/>
+            </a:pPr>
+            <a:r>
+              <a:rPr lang="en-US" sz="1600" dirty="0"/>
+              <a:t>Easy To Use</a:t>
+            </a:r>
+          </a:p>
+        </p:txBody>
+      </p:sp>
     </p:spTree>
     <p:extLst>
       <p:ext uri="{BB962C8B-B14F-4D97-AF65-F5344CB8AC3E}">
-        <p14:creationId xmlns:p14="http://schemas.microsoft.com/office/powerpoint/2010/main" val="3376935253"/>
+        <p14:creationId xmlns:p14="http://schemas.microsoft.com/office/powerpoint/2010/main" val="2018020805"/>
       </p:ext>
     </p:extLst>
   </p:cSld>
